--- a/CapStone Individual Project - A du Plooy.pptx
+++ b/CapStone Individual Project - A du Plooy.pptx
@@ -5,10 +5,10 @@
     <p:sldMasterId id="2147483658" r:id="rId4"/>
   </p:sldMasterIdLst>
   <p:notesMasterIdLst>
-    <p:notesMasterId r:id="rId22"/>
+    <p:notesMasterId r:id="rId23"/>
   </p:notesMasterIdLst>
   <p:handoutMasterIdLst>
-    <p:handoutMasterId r:id="rId23"/>
+    <p:handoutMasterId r:id="rId24"/>
   </p:handoutMasterIdLst>
   <p:sldIdLst>
     <p:sldId id="410" r:id="rId5"/>
@@ -19,15 +19,16 @@
     <p:sldId id="412" r:id="rId10"/>
     <p:sldId id="413" r:id="rId11"/>
     <p:sldId id="414" r:id="rId12"/>
-    <p:sldId id="415" r:id="rId13"/>
-    <p:sldId id="416" r:id="rId14"/>
-    <p:sldId id="417" r:id="rId15"/>
-    <p:sldId id="418" r:id="rId16"/>
-    <p:sldId id="419" r:id="rId17"/>
-    <p:sldId id="420" r:id="rId18"/>
-    <p:sldId id="421" r:id="rId19"/>
-    <p:sldId id="404" r:id="rId20"/>
-    <p:sldId id="398" r:id="rId21"/>
+    <p:sldId id="422" r:id="rId13"/>
+    <p:sldId id="415" r:id="rId14"/>
+    <p:sldId id="416" r:id="rId15"/>
+    <p:sldId id="417" r:id="rId16"/>
+    <p:sldId id="418" r:id="rId17"/>
+    <p:sldId id="419" r:id="rId18"/>
+    <p:sldId id="420" r:id="rId19"/>
+    <p:sldId id="421" r:id="rId20"/>
+    <p:sldId id="404" r:id="rId21"/>
+    <p:sldId id="398" r:id="rId22"/>
   </p:sldIdLst>
   <p:sldSz cx="12192000" cy="6858000"/>
   <p:notesSz cx="6858000" cy="9144000"/>
@@ -152,7 +153,7 @@
 <file path=ppt/revisionInfo.xml><?xml version="1.0" encoding="utf-8"?>
 <p1510:revInfo xmlns:a="http://schemas.openxmlformats.org/drawingml/2006/main" xmlns:r="http://schemas.openxmlformats.org/officeDocument/2006/relationships" xmlns:p1510="http://schemas.microsoft.com/office/powerpoint/2015/10/main">
   <p1510:revLst>
-    <p1510:client id="{89224CF0-BDAE-4992-9EEC-A20CCD0C8990}" v="11" dt="2025-12-06T14:43:44.814"/>
+    <p1510:client id="{89224CF0-BDAE-4992-9EEC-A20CCD0C8990}" v="14" dt="2025-12-06T15:14:37.863"/>
   </p1510:revLst>
 </p1510:revInfo>
 </file>
@@ -162,18 +163,18 @@
   <pc:docChgLst>
     <pc:chgData name="Anton du Plooy" userId="461ce79b-9841-4699-a285-c943c0b1f758" providerId="ADAL" clId="{9CC3E923-1743-4228-AE16-E708A0181D4D}"/>
     <pc:docChg chg="undo custSel addSld delSld modSld sldOrd">
-      <pc:chgData name="Anton du Plooy" userId="461ce79b-9841-4699-a285-c943c0b1f758" providerId="ADAL" clId="{9CC3E923-1743-4228-AE16-E708A0181D4D}" dt="2025-12-06T14:46:28.440" v="305" actId="47"/>
+      <pc:chgData name="Anton du Plooy" userId="461ce79b-9841-4699-a285-c943c0b1f758" providerId="ADAL" clId="{9CC3E923-1743-4228-AE16-E708A0181D4D}" dt="2025-12-06T15:30:00.216" v="650" actId="113"/>
       <pc:docMkLst>
         <pc:docMk/>
       </pc:docMkLst>
       <pc:sldChg chg="modSp mod">
-        <pc:chgData name="Anton du Plooy" userId="461ce79b-9841-4699-a285-c943c0b1f758" providerId="ADAL" clId="{9CC3E923-1743-4228-AE16-E708A0181D4D}" dt="2025-12-06T14:34:24.322" v="10" actId="20577"/>
+        <pc:chgData name="Anton du Plooy" userId="461ce79b-9841-4699-a285-c943c0b1f758" providerId="ADAL" clId="{9CC3E923-1743-4228-AE16-E708A0181D4D}" dt="2025-12-06T15:07:47.891" v="487"/>
         <pc:sldMkLst>
           <pc:docMk/>
           <pc:sldMk cId="3346685798" sldId="383"/>
         </pc:sldMkLst>
         <pc:spChg chg="mod">
-          <ac:chgData name="Anton du Plooy" userId="461ce79b-9841-4699-a285-c943c0b1f758" providerId="ADAL" clId="{9CC3E923-1743-4228-AE16-E708A0181D4D}" dt="2025-12-06T14:34:24.322" v="10" actId="20577"/>
+          <ac:chgData name="Anton du Plooy" userId="461ce79b-9841-4699-a285-c943c0b1f758" providerId="ADAL" clId="{9CC3E923-1743-4228-AE16-E708A0181D4D}" dt="2025-12-06T15:07:47.891" v="487"/>
           <ac:spMkLst>
             <pc:docMk/>
             <pc:sldMk cId="3346685798" sldId="383"/>
@@ -189,7 +190,7 @@
         </pc:sldMkLst>
       </pc:sldChg>
       <pc:sldChg chg="addSp delSp modSp mod">
-        <pc:chgData name="Anton du Plooy" userId="461ce79b-9841-4699-a285-c943c0b1f758" providerId="ADAL" clId="{9CC3E923-1743-4228-AE16-E708A0181D4D}" dt="2025-12-06T14:35:41.432" v="33" actId="20577"/>
+        <pc:chgData name="Anton du Plooy" userId="461ce79b-9841-4699-a285-c943c0b1f758" providerId="ADAL" clId="{9CC3E923-1743-4228-AE16-E708A0181D4D}" dt="2025-12-06T15:02:58.064" v="416" actId="14100"/>
         <pc:sldMkLst>
           <pc:docMk/>
           <pc:sldMk cId="3200312026" sldId="391"/>
@@ -203,7 +204,7 @@
           </ac:spMkLst>
         </pc:spChg>
         <pc:spChg chg="mod">
-          <ac:chgData name="Anton du Plooy" userId="461ce79b-9841-4699-a285-c943c0b1f758" providerId="ADAL" clId="{9CC3E923-1743-4228-AE16-E708A0181D4D}" dt="2025-12-06T14:35:41.432" v="33" actId="20577"/>
+          <ac:chgData name="Anton du Plooy" userId="461ce79b-9841-4699-a285-c943c0b1f758" providerId="ADAL" clId="{9CC3E923-1743-4228-AE16-E708A0181D4D}" dt="2025-12-06T15:02:58.064" v="416" actId="14100"/>
           <ac:spMkLst>
             <pc:docMk/>
             <pc:sldMk cId="3200312026" sldId="391"/>
@@ -220,7 +221,7 @@
         </pc:picChg>
       </pc:sldChg>
       <pc:sldChg chg="modSp mod ord">
-        <pc:chgData name="Anton du Plooy" userId="461ce79b-9841-4699-a285-c943c0b1f758" providerId="ADAL" clId="{9CC3E923-1743-4228-AE16-E708A0181D4D}" dt="2025-12-06T14:34:29.834" v="11" actId="6549"/>
+        <pc:chgData name="Anton du Plooy" userId="461ce79b-9841-4699-a285-c943c0b1f758" providerId="ADAL" clId="{9CC3E923-1743-4228-AE16-E708A0181D4D}" dt="2025-12-06T14:52:12.035" v="324" actId="20577"/>
         <pc:sldMkLst>
           <pc:docMk/>
           <pc:sldMk cId="2039059756" sldId="397"/>
@@ -234,7 +235,7 @@
           </ac:spMkLst>
         </pc:spChg>
         <pc:spChg chg="mod">
-          <ac:chgData name="Anton du Plooy" userId="461ce79b-9841-4699-a285-c943c0b1f758" providerId="ADAL" clId="{9CC3E923-1743-4228-AE16-E708A0181D4D}" dt="2025-12-06T14:34:29.834" v="11" actId="6549"/>
+          <ac:chgData name="Anton du Plooy" userId="461ce79b-9841-4699-a285-c943c0b1f758" providerId="ADAL" clId="{9CC3E923-1743-4228-AE16-E708A0181D4D}" dt="2025-12-06T14:52:12.035" v="324" actId="20577"/>
           <ac:spMkLst>
             <pc:docMk/>
             <pc:sldMk cId="2039059756" sldId="397"/>
@@ -265,7 +266,7 @@
         </pc:sldMkLst>
       </pc:sldChg>
       <pc:sldChg chg="addSp delSp modSp mod ord">
-        <pc:chgData name="Anton du Plooy" userId="461ce79b-9841-4699-a285-c943c0b1f758" providerId="ADAL" clId="{9CC3E923-1743-4228-AE16-E708A0181D4D}" dt="2025-12-06T14:45:07.897" v="257" actId="12"/>
+        <pc:chgData name="Anton du Plooy" userId="461ce79b-9841-4699-a285-c943c0b1f758" providerId="ADAL" clId="{9CC3E923-1743-4228-AE16-E708A0181D4D}" dt="2025-12-06T15:30:00.216" v="650" actId="113"/>
         <pc:sldMkLst>
           <pc:docMk/>
           <pc:sldMk cId="1850768898" sldId="404"/>
@@ -279,7 +280,7 @@
           </ac:spMkLst>
         </pc:spChg>
         <pc:spChg chg="mod">
-          <ac:chgData name="Anton du Plooy" userId="461ce79b-9841-4699-a285-c943c0b1f758" providerId="ADAL" clId="{9CC3E923-1743-4228-AE16-E708A0181D4D}" dt="2025-12-06T14:45:07.897" v="257" actId="12"/>
+          <ac:chgData name="Anton du Plooy" userId="461ce79b-9841-4699-a285-c943c0b1f758" providerId="ADAL" clId="{9CC3E923-1743-4228-AE16-E708A0181D4D}" dt="2025-12-06T15:30:00.216" v="650" actId="113"/>
           <ac:spMkLst>
             <pc:docMk/>
             <pc:sldMk cId="1850768898" sldId="404"/>
@@ -362,7 +363,7 @@
         </pc:spChg>
       </pc:sldChg>
       <pc:sldChg chg="modSp add mod">
-        <pc:chgData name="Anton du Plooy" userId="461ce79b-9841-4699-a285-c943c0b1f758" providerId="ADAL" clId="{9CC3E923-1743-4228-AE16-E708A0181D4D}" dt="2025-12-06T14:37:39.959" v="54"/>
+        <pc:chgData name="Anton du Plooy" userId="461ce79b-9841-4699-a285-c943c0b1f758" providerId="ADAL" clId="{9CC3E923-1743-4228-AE16-E708A0181D4D}" dt="2025-12-06T15:03:14.089" v="417" actId="1076"/>
         <pc:sldMkLst>
           <pc:docMk/>
           <pc:sldMk cId="929307156" sldId="412"/>
@@ -376,7 +377,7 @@
           </ac:spMkLst>
         </pc:spChg>
         <pc:spChg chg="mod">
-          <ac:chgData name="Anton du Plooy" userId="461ce79b-9841-4699-a285-c943c0b1f758" providerId="ADAL" clId="{9CC3E923-1743-4228-AE16-E708A0181D4D}" dt="2025-12-06T14:37:39.959" v="54"/>
+          <ac:chgData name="Anton du Plooy" userId="461ce79b-9841-4699-a285-c943c0b1f758" providerId="ADAL" clId="{9CC3E923-1743-4228-AE16-E708A0181D4D}" dt="2025-12-06T15:03:14.089" v="417" actId="1076"/>
           <ac:spMkLst>
             <pc:docMk/>
             <pc:sldMk cId="929307156" sldId="412"/>
@@ -407,14 +408,14 @@
           </ac:spMkLst>
         </pc:spChg>
       </pc:sldChg>
-      <pc:sldChg chg="modSp add mod">
-        <pc:chgData name="Anton du Plooy" userId="461ce79b-9841-4699-a285-c943c0b1f758" providerId="ADAL" clId="{9CC3E923-1743-4228-AE16-E708A0181D4D}" dt="2025-12-06T14:39:13.626" v="82"/>
+      <pc:sldChg chg="addSp modSp add mod">
+        <pc:chgData name="Anton du Plooy" userId="461ce79b-9841-4699-a285-c943c0b1f758" providerId="ADAL" clId="{9CC3E923-1743-4228-AE16-E708A0181D4D}" dt="2025-12-06T15:14:35.602" v="541" actId="6549"/>
         <pc:sldMkLst>
           <pc:docMk/>
           <pc:sldMk cId="2355160391" sldId="414"/>
         </pc:sldMkLst>
         <pc:spChg chg="mod">
-          <ac:chgData name="Anton du Plooy" userId="461ce79b-9841-4699-a285-c943c0b1f758" providerId="ADAL" clId="{9CC3E923-1743-4228-AE16-E708A0181D4D}" dt="2025-12-06T14:38:31.311" v="75" actId="20577"/>
+          <ac:chgData name="Anton du Plooy" userId="461ce79b-9841-4699-a285-c943c0b1f758" providerId="ADAL" clId="{9CC3E923-1743-4228-AE16-E708A0181D4D}" dt="2025-12-06T15:01:09.568" v="406" actId="14100"/>
           <ac:spMkLst>
             <pc:docMk/>
             <pc:sldMk cId="2355160391" sldId="414"/>
@@ -422,13 +423,29 @@
           </ac:spMkLst>
         </pc:spChg>
         <pc:spChg chg="mod">
-          <ac:chgData name="Anton du Plooy" userId="461ce79b-9841-4699-a285-c943c0b1f758" providerId="ADAL" clId="{9CC3E923-1743-4228-AE16-E708A0181D4D}" dt="2025-12-06T14:39:13.626" v="82"/>
+          <ac:chgData name="Anton du Plooy" userId="461ce79b-9841-4699-a285-c943c0b1f758" providerId="ADAL" clId="{9CC3E923-1743-4228-AE16-E708A0181D4D}" dt="2025-12-06T15:14:35.602" v="541" actId="6549"/>
           <ac:spMkLst>
             <pc:docMk/>
             <pc:sldMk cId="2355160391" sldId="414"/>
             <ac:spMk id="7" creationId="{58FB8742-5C94-EAE6-9DAF-1206B14C52D7}"/>
           </ac:spMkLst>
         </pc:spChg>
+        <pc:picChg chg="add mod">
+          <ac:chgData name="Anton du Plooy" userId="461ce79b-9841-4699-a285-c943c0b1f758" providerId="ADAL" clId="{9CC3E923-1743-4228-AE16-E708A0181D4D}" dt="2025-12-06T15:01:23.190" v="410" actId="1076"/>
+          <ac:picMkLst>
+            <pc:docMk/>
+            <pc:sldMk cId="2355160391" sldId="414"/>
+            <ac:picMk id="4" creationId="{9D80FE4D-1B88-F36A-C60C-60C6BE68B871}"/>
+          </ac:picMkLst>
+        </pc:picChg>
+        <pc:picChg chg="add mod">
+          <ac:chgData name="Anton du Plooy" userId="461ce79b-9841-4699-a285-c943c0b1f758" providerId="ADAL" clId="{9CC3E923-1743-4228-AE16-E708A0181D4D}" dt="2025-12-06T15:01:31.390" v="413" actId="1076"/>
+          <ac:picMkLst>
+            <pc:docMk/>
+            <pc:sldMk cId="2355160391" sldId="414"/>
+            <ac:picMk id="6" creationId="{D00F2450-E69D-E1FB-49FE-AD6DC19D4F11}"/>
+          </ac:picMkLst>
+        </pc:picChg>
       </pc:sldChg>
       <pc:sldChg chg="modSp add mod">
         <pc:chgData name="Anton du Plooy" userId="461ce79b-9841-4699-a285-c943c0b1f758" providerId="ADAL" clId="{9CC3E923-1743-4228-AE16-E708A0181D4D}" dt="2025-12-06T14:39:47.464" v="127" actId="20577"/>
@@ -454,7 +471,7 @@
         </pc:spChg>
       </pc:sldChg>
       <pc:sldChg chg="modSp add mod">
-        <pc:chgData name="Anton du Plooy" userId="461ce79b-9841-4699-a285-c943c0b1f758" providerId="ADAL" clId="{9CC3E923-1743-4228-AE16-E708A0181D4D}" dt="2025-12-06T14:40:37.655" v="153" actId="20577"/>
+        <pc:chgData name="Anton du Plooy" userId="461ce79b-9841-4699-a285-c943c0b1f758" providerId="ADAL" clId="{9CC3E923-1743-4228-AE16-E708A0181D4D}" dt="2025-12-06T15:03:25.317" v="418" actId="1076"/>
         <pc:sldMkLst>
           <pc:docMk/>
           <pc:sldMk cId="1507925668" sldId="416"/>
@@ -468,7 +485,7 @@
           </ac:spMkLst>
         </pc:spChg>
         <pc:spChg chg="mod">
-          <ac:chgData name="Anton du Plooy" userId="461ce79b-9841-4699-a285-c943c0b1f758" providerId="ADAL" clId="{9CC3E923-1743-4228-AE16-E708A0181D4D}" dt="2025-12-06T14:40:37.655" v="153" actId="20577"/>
+          <ac:chgData name="Anton du Plooy" userId="461ce79b-9841-4699-a285-c943c0b1f758" providerId="ADAL" clId="{9CC3E923-1743-4228-AE16-E708A0181D4D}" dt="2025-12-06T15:03:25.317" v="418" actId="1076"/>
           <ac:spMkLst>
             <pc:docMk/>
             <pc:sldMk cId="1507925668" sldId="416"/>
@@ -477,7 +494,7 @@
         </pc:spChg>
       </pc:sldChg>
       <pc:sldChg chg="addSp delSp modSp add mod">
-        <pc:chgData name="Anton du Plooy" userId="461ce79b-9841-4699-a285-c943c0b1f758" providerId="ADAL" clId="{9CC3E923-1743-4228-AE16-E708A0181D4D}" dt="2025-12-06T14:41:46.104" v="180" actId="22"/>
+        <pc:chgData name="Anton du Plooy" userId="461ce79b-9841-4699-a285-c943c0b1f758" providerId="ADAL" clId="{9CC3E923-1743-4228-AE16-E708A0181D4D}" dt="2025-12-06T15:16:48.805" v="641" actId="1076"/>
         <pc:sldMkLst>
           <pc:docMk/>
           <pc:sldMk cId="1607296073" sldId="417"/>
@@ -507,16 +524,40 @@
           </ac:spMkLst>
         </pc:spChg>
         <pc:spChg chg="mod">
-          <ac:chgData name="Anton du Plooy" userId="461ce79b-9841-4699-a285-c943c0b1f758" providerId="ADAL" clId="{9CC3E923-1743-4228-AE16-E708A0181D4D}" dt="2025-12-06T14:41:34.856" v="176" actId="20577"/>
+          <ac:chgData name="Anton du Plooy" userId="461ce79b-9841-4699-a285-c943c0b1f758" providerId="ADAL" clId="{9CC3E923-1743-4228-AE16-E708A0181D4D}" dt="2025-12-06T15:16:45.857" v="640" actId="255"/>
           <ac:spMkLst>
             <pc:docMk/>
             <pc:sldMk cId="1607296073" sldId="417"/>
             <ac:spMk id="7" creationId="{67D60840-1AF9-24BA-8383-5517AA76D6B7}"/>
           </ac:spMkLst>
         </pc:spChg>
+        <pc:picChg chg="add mod">
+          <ac:chgData name="Anton du Plooy" userId="461ce79b-9841-4699-a285-c943c0b1f758" providerId="ADAL" clId="{9CC3E923-1743-4228-AE16-E708A0181D4D}" dt="2025-12-06T15:16:48.805" v="641" actId="1076"/>
+          <ac:picMkLst>
+            <pc:docMk/>
+            <pc:sldMk cId="1607296073" sldId="417"/>
+            <ac:picMk id="4" creationId="{58028F62-1B5D-7814-145C-5D7073583FF1}"/>
+          </ac:picMkLst>
+        </pc:picChg>
+        <pc:picChg chg="add mod">
+          <ac:chgData name="Anton du Plooy" userId="461ce79b-9841-4699-a285-c943c0b1f758" providerId="ADAL" clId="{9CC3E923-1743-4228-AE16-E708A0181D4D}" dt="2025-12-06T15:09:37.390" v="504" actId="1076"/>
+          <ac:picMkLst>
+            <pc:docMk/>
+            <pc:sldMk cId="1607296073" sldId="417"/>
+            <ac:picMk id="6" creationId="{BCDF34A6-1034-F22F-1696-6BEDE04B3357}"/>
+          </ac:picMkLst>
+        </pc:picChg>
+        <pc:picChg chg="add mod">
+          <ac:chgData name="Anton du Plooy" userId="461ce79b-9841-4699-a285-c943c0b1f758" providerId="ADAL" clId="{9CC3E923-1743-4228-AE16-E708A0181D4D}" dt="2025-12-06T15:09:32.171" v="502" actId="1076"/>
+          <ac:picMkLst>
+            <pc:docMk/>
+            <pc:sldMk cId="1607296073" sldId="417"/>
+            <ac:picMk id="9" creationId="{81B71815-2555-D962-42A0-07C982D646C3}"/>
+          </ac:picMkLst>
+        </pc:picChg>
       </pc:sldChg>
       <pc:sldChg chg="modSp add mod">
-        <pc:chgData name="Anton du Plooy" userId="461ce79b-9841-4699-a285-c943c0b1f758" providerId="ADAL" clId="{9CC3E923-1743-4228-AE16-E708A0181D4D}" dt="2025-12-06T14:42:28.530" v="203"/>
+        <pc:chgData name="Anton du Plooy" userId="461ce79b-9841-4699-a285-c943c0b1f758" providerId="ADAL" clId="{9CC3E923-1743-4228-AE16-E708A0181D4D}" dt="2025-12-06T15:17:19.449" v="645" actId="20577"/>
         <pc:sldMkLst>
           <pc:docMk/>
           <pc:sldMk cId="2543543980" sldId="418"/>
@@ -530,7 +571,7 @@
           </ac:spMkLst>
         </pc:spChg>
         <pc:spChg chg="mod">
-          <ac:chgData name="Anton du Plooy" userId="461ce79b-9841-4699-a285-c943c0b1f758" providerId="ADAL" clId="{9CC3E923-1743-4228-AE16-E708A0181D4D}" dt="2025-12-06T14:42:28.530" v="203"/>
+          <ac:chgData name="Anton du Plooy" userId="461ce79b-9841-4699-a285-c943c0b1f758" providerId="ADAL" clId="{9CC3E923-1743-4228-AE16-E708A0181D4D}" dt="2025-12-06T15:17:19.449" v="645" actId="20577"/>
           <ac:spMkLst>
             <pc:docMk/>
             <pc:sldMk cId="2543543980" sldId="418"/>
@@ -539,13 +580,13 @@
         </pc:spChg>
       </pc:sldChg>
       <pc:sldChg chg="modSp add mod">
-        <pc:chgData name="Anton du Plooy" userId="461ce79b-9841-4699-a285-c943c0b1f758" providerId="ADAL" clId="{9CC3E923-1743-4228-AE16-E708A0181D4D}" dt="2025-12-06T14:43:17.356" v="209" actId="20577"/>
+        <pc:chgData name="Anton du Plooy" userId="461ce79b-9841-4699-a285-c943c0b1f758" providerId="ADAL" clId="{9CC3E923-1743-4228-AE16-E708A0181D4D}" dt="2025-12-06T15:06:11.404" v="450" actId="20577"/>
         <pc:sldMkLst>
           <pc:docMk/>
           <pc:sldMk cId="2228953409" sldId="419"/>
         </pc:sldMkLst>
         <pc:spChg chg="mod">
-          <ac:chgData name="Anton du Plooy" userId="461ce79b-9841-4699-a285-c943c0b1f758" providerId="ADAL" clId="{9CC3E923-1743-4228-AE16-E708A0181D4D}" dt="2025-12-06T14:43:17.356" v="209" actId="20577"/>
+          <ac:chgData name="Anton du Plooy" userId="461ce79b-9841-4699-a285-c943c0b1f758" providerId="ADAL" clId="{9CC3E923-1743-4228-AE16-E708A0181D4D}" dt="2025-12-06T15:06:11.404" v="450" actId="20577"/>
           <ac:spMkLst>
             <pc:docMk/>
             <pc:sldMk cId="2228953409" sldId="419"/>
@@ -562,7 +603,7 @@
         </pc:spChg>
       </pc:sldChg>
       <pc:sldChg chg="modSp add mod">
-        <pc:chgData name="Anton du Plooy" userId="461ce79b-9841-4699-a285-c943c0b1f758" providerId="ADAL" clId="{9CC3E923-1743-4228-AE16-E708A0181D4D}" dt="2025-12-06T14:43:42.144" v="222" actId="20577"/>
+        <pc:chgData name="Anton du Plooy" userId="461ce79b-9841-4699-a285-c943c0b1f758" providerId="ADAL" clId="{9CC3E923-1743-4228-AE16-E708A0181D4D}" dt="2025-12-06T15:05:42.889" v="432" actId="1076"/>
         <pc:sldMkLst>
           <pc:docMk/>
           <pc:sldMk cId="1505443238" sldId="420"/>
@@ -576,7 +617,7 @@
           </ac:spMkLst>
         </pc:spChg>
         <pc:spChg chg="mod">
-          <ac:chgData name="Anton du Plooy" userId="461ce79b-9841-4699-a285-c943c0b1f758" providerId="ADAL" clId="{9CC3E923-1743-4228-AE16-E708A0181D4D}" dt="2025-12-06T14:43:37.016" v="211"/>
+          <ac:chgData name="Anton du Plooy" userId="461ce79b-9841-4699-a285-c943c0b1f758" providerId="ADAL" clId="{9CC3E923-1743-4228-AE16-E708A0181D4D}" dt="2025-12-06T15:05:42.889" v="432" actId="1076"/>
           <ac:spMkLst>
             <pc:docMk/>
             <pc:sldMk cId="1505443238" sldId="420"/>
@@ -584,8 +625,8 @@
           </ac:spMkLst>
         </pc:spChg>
       </pc:sldChg>
-      <pc:sldChg chg="modSp add mod">
-        <pc:chgData name="Anton du Plooy" userId="461ce79b-9841-4699-a285-c943c0b1f758" providerId="ADAL" clId="{9CC3E923-1743-4228-AE16-E708A0181D4D}" dt="2025-12-06T14:44:12.282" v="238"/>
+      <pc:sldChg chg="addSp delSp modSp add mod">
+        <pc:chgData name="Anton du Plooy" userId="461ce79b-9841-4699-a285-c943c0b1f758" providerId="ADAL" clId="{9CC3E923-1743-4228-AE16-E708A0181D4D}" dt="2025-12-06T15:29:12.256" v="646" actId="6549"/>
         <pc:sldMkLst>
           <pc:docMk/>
           <pc:sldMk cId="3032844107" sldId="421"/>
@@ -599,13 +640,52 @@
           </ac:spMkLst>
         </pc:spChg>
         <pc:spChg chg="mod">
-          <ac:chgData name="Anton du Plooy" userId="461ce79b-9841-4699-a285-c943c0b1f758" providerId="ADAL" clId="{9CC3E923-1743-4228-AE16-E708A0181D4D}" dt="2025-12-06T14:44:12.282" v="238"/>
+          <ac:chgData name="Anton du Plooy" userId="461ce79b-9841-4699-a285-c943c0b1f758" providerId="ADAL" clId="{9CC3E923-1743-4228-AE16-E708A0181D4D}" dt="2025-12-06T15:29:12.256" v="646" actId="6549"/>
           <ac:spMkLst>
             <pc:docMk/>
             <pc:sldMk cId="3032844107" sldId="421"/>
             <ac:spMk id="7" creationId="{C2962065-2232-F723-FF1A-58A916409849}"/>
           </ac:spMkLst>
         </pc:spChg>
+        <pc:picChg chg="add del">
+          <ac:chgData name="Anton du Plooy" userId="461ce79b-9841-4699-a285-c943c0b1f758" providerId="ADAL" clId="{9CC3E923-1743-4228-AE16-E708A0181D4D}" dt="2025-12-06T15:06:41.787" v="452" actId="22"/>
+          <ac:picMkLst>
+            <pc:docMk/>
+            <pc:sldMk cId="3032844107" sldId="421"/>
+            <ac:picMk id="4" creationId="{3D2CFBD4-D64E-CA8A-9ABE-62C60083D144}"/>
+          </ac:picMkLst>
+        </pc:picChg>
+      </pc:sldChg>
+      <pc:sldChg chg="addSp delSp modSp add del mod">
+        <pc:chgData name="Anton du Plooy" userId="461ce79b-9841-4699-a285-c943c0b1f758" providerId="ADAL" clId="{9CC3E923-1743-4228-AE16-E708A0181D4D}" dt="2025-12-06T15:14:37.863" v="546"/>
+        <pc:sldMkLst>
+          <pc:docMk/>
+          <pc:sldMk cId="2938290372" sldId="422"/>
+        </pc:sldMkLst>
+        <pc:spChg chg="mod">
+          <ac:chgData name="Anton du Plooy" userId="461ce79b-9841-4699-a285-c943c0b1f758" providerId="ADAL" clId="{9CC3E923-1743-4228-AE16-E708A0181D4D}" dt="2025-12-06T15:14:36.340" v="544" actId="6549"/>
+          <ac:spMkLst>
+            <pc:docMk/>
+            <pc:sldMk cId="2938290372" sldId="422"/>
+            <ac:spMk id="7" creationId="{470D87A1-1D4D-5AAF-3FDC-E2D3FD586FB6}"/>
+          </ac:spMkLst>
+        </pc:spChg>
+        <pc:picChg chg="add del">
+          <ac:chgData name="Anton du Plooy" userId="461ce79b-9841-4699-a285-c943c0b1f758" providerId="ADAL" clId="{9CC3E923-1743-4228-AE16-E708A0181D4D}" dt="2025-12-06T15:14:36.058" v="543" actId="478"/>
+          <ac:picMkLst>
+            <pc:docMk/>
+            <pc:sldMk cId="2938290372" sldId="422"/>
+            <ac:picMk id="4" creationId="{3768ECBB-4478-1B52-86D6-38A40F6CDE8B}"/>
+          </ac:picMkLst>
+        </pc:picChg>
+        <pc:picChg chg="mod">
+          <ac:chgData name="Anton du Plooy" userId="461ce79b-9841-4699-a285-c943c0b1f758" providerId="ADAL" clId="{9CC3E923-1743-4228-AE16-E708A0181D4D}" dt="2025-12-06T15:14:35.838" v="542" actId="1076"/>
+          <ac:picMkLst>
+            <pc:docMk/>
+            <pc:sldMk cId="2938290372" sldId="422"/>
+            <ac:picMk id="6" creationId="{F665693F-F583-9DD7-A2A2-7450AE1B0BC9}"/>
+          </ac:picMkLst>
+        </pc:picChg>
       </pc:sldChg>
     </pc:docChg>
   </pc:docChgLst>
@@ -1242,6 +1322,114 @@
         <p:cNvPr id="1" name="">
           <a:extLst>
             <a:ext uri="{FF2B5EF4-FFF2-40B4-BE49-F238E27FC236}">
+              <a16:creationId xmlns:a16="http://schemas.microsoft.com/office/drawing/2014/main" id="{5EFCFC65-9120-1F09-2D2A-DA0AC6252F80}"/>
+            </a:ext>
+          </a:extLst>
+        </p:cNvPr>
+        <p:cNvGrpSpPr/>
+        <p:nvPr/>
+      </p:nvGrpSpPr>
+      <p:grpSpPr>
+        <a:xfrm>
+          <a:off x="0" y="0"/>
+          <a:ext cx="0" cy="0"/>
+          <a:chOff x="0" y="0"/>
+          <a:chExt cx="0" cy="0"/>
+        </a:xfrm>
+      </p:grpSpPr>
+      <p:sp>
+        <p:nvSpPr>
+          <p:cNvPr id="2" name="Slide Image Placeholder 1">
+            <a:extLst>
+              <a:ext uri="{FF2B5EF4-FFF2-40B4-BE49-F238E27FC236}">
+                <a16:creationId xmlns:a16="http://schemas.microsoft.com/office/drawing/2014/main" id="{201ECC1A-A9C0-EB60-8CBB-9F1FD4816802}"/>
+              </a:ext>
+            </a:extLst>
+          </p:cNvPr>
+          <p:cNvSpPr>
+            <a:spLocks noGrp="1" noRot="1" noChangeAspect="1"/>
+          </p:cNvSpPr>
+          <p:nvPr>
+            <p:ph type="sldImg"/>
+          </p:nvPr>
+        </p:nvSpPr>
+        <p:spPr/>
+      </p:sp>
+      <p:sp>
+        <p:nvSpPr>
+          <p:cNvPr id="3" name="Notes Placeholder 2">
+            <a:extLst>
+              <a:ext uri="{FF2B5EF4-FFF2-40B4-BE49-F238E27FC236}">
+                <a16:creationId xmlns:a16="http://schemas.microsoft.com/office/drawing/2014/main" id="{44C11DAC-4224-C4C2-3A26-DCAB96918F8F}"/>
+              </a:ext>
+            </a:extLst>
+          </p:cNvPr>
+          <p:cNvSpPr>
+            <a:spLocks noGrp="1"/>
+          </p:cNvSpPr>
+          <p:nvPr>
+            <p:ph type="body" idx="1"/>
+          </p:nvPr>
+        </p:nvSpPr>
+        <p:spPr/>
+        <p:txBody>
+          <a:bodyPr/>
+          <a:lstStyle/>
+          <a:p>
+            <a:endParaRPr lang="en-US" dirty="0"/>
+          </a:p>
+        </p:txBody>
+      </p:sp>
+      <p:sp>
+        <p:nvSpPr>
+          <p:cNvPr id="4" name="Slide Number Placeholder 3">
+            <a:extLst>
+              <a:ext uri="{FF2B5EF4-FFF2-40B4-BE49-F238E27FC236}">
+                <a16:creationId xmlns:a16="http://schemas.microsoft.com/office/drawing/2014/main" id="{C6C32B96-B4C4-FA09-9015-171890E1A99F}"/>
+              </a:ext>
+            </a:extLst>
+          </p:cNvPr>
+          <p:cNvSpPr>
+            <a:spLocks noGrp="1"/>
+          </p:cNvSpPr>
+          <p:nvPr>
+            <p:ph type="sldNum" sz="quarter" idx="5"/>
+          </p:nvPr>
+        </p:nvSpPr>
+        <p:spPr/>
+        <p:txBody>
+          <a:bodyPr/>
+          <a:lstStyle/>
+          <a:p>
+            <a:fld id="{A89C7E07-3C67-C64C-8DA0-0404F6303970}" type="slidenum">
+              <a:rPr lang="en-US" smtClean="0"/>
+              <a:t>10</a:t>
+            </a:fld>
+            <a:endParaRPr lang="en-US" dirty="0"/>
+          </a:p>
+        </p:txBody>
+      </p:sp>
+    </p:spTree>
+    <p:extLst>
+      <p:ext uri="{BB962C8B-B14F-4D97-AF65-F5344CB8AC3E}">
+        <p14:creationId xmlns:p14="http://schemas.microsoft.com/office/powerpoint/2010/main" val="2011792230"/>
+      </p:ext>
+    </p:extLst>
+  </p:cSld>
+  <p:clrMapOvr>
+    <a:masterClrMapping/>
+  </p:clrMapOvr>
+</p:notes>
+</file>
+
+<file path=ppt/notesSlides/notesSlide11.xml><?xml version="1.0" encoding="utf-8"?>
+<p:notes xmlns:a="http://schemas.openxmlformats.org/drawingml/2006/main" xmlns:r="http://schemas.openxmlformats.org/officeDocument/2006/relationships" xmlns:p="http://schemas.openxmlformats.org/presentationml/2006/main">
+  <p:cSld>
+    <p:spTree>
+      <p:nvGrpSpPr>
+        <p:cNvPr id="1" name="">
+          <a:extLst>
+            <a:ext uri="{FF2B5EF4-FFF2-40B4-BE49-F238E27FC236}">
               <a16:creationId xmlns:a16="http://schemas.microsoft.com/office/drawing/2014/main" id="{069CE9CB-EB1B-E0E2-D3D8-22A8F3635EBC}"/>
             </a:ext>
           </a:extLst>
@@ -1323,7 +1511,7 @@
           <a:p>
             <a:fld id="{A89C7E07-3C67-C64C-8DA0-0404F6303970}" type="slidenum">
               <a:rPr lang="en-US" smtClean="0"/>
-              <a:t>10</a:t>
+              <a:t>11</a:t>
             </a:fld>
             <a:endParaRPr lang="en-US" dirty="0"/>
           </a:p>
@@ -1342,7 +1530,7 @@
 </p:notes>
 </file>
 
-<file path=ppt/notesSlides/notesSlide11.xml><?xml version="1.0" encoding="utf-8"?>
+<file path=ppt/notesSlides/notesSlide12.xml><?xml version="1.0" encoding="utf-8"?>
 <p:notes xmlns:a="http://schemas.openxmlformats.org/drawingml/2006/main" xmlns:r="http://schemas.openxmlformats.org/officeDocument/2006/relationships" xmlns:p="http://schemas.openxmlformats.org/presentationml/2006/main">
   <p:cSld>
     <p:spTree>
@@ -1431,7 +1619,7 @@
           <a:p>
             <a:fld id="{A89C7E07-3C67-C64C-8DA0-0404F6303970}" type="slidenum">
               <a:rPr lang="en-US" smtClean="0"/>
-              <a:t>11</a:t>
+              <a:t>12</a:t>
             </a:fld>
             <a:endParaRPr lang="en-US" dirty="0"/>
           </a:p>
@@ -1450,7 +1638,7 @@
 </p:notes>
 </file>
 
-<file path=ppt/notesSlides/notesSlide12.xml><?xml version="1.0" encoding="utf-8"?>
+<file path=ppt/notesSlides/notesSlide13.xml><?xml version="1.0" encoding="utf-8"?>
 <p:notes xmlns:a="http://schemas.openxmlformats.org/drawingml/2006/main" xmlns:r="http://schemas.openxmlformats.org/officeDocument/2006/relationships" xmlns:p="http://schemas.openxmlformats.org/presentationml/2006/main">
   <p:cSld>
     <p:spTree>
@@ -1539,7 +1727,7 @@
           <a:p>
             <a:fld id="{A89C7E07-3C67-C64C-8DA0-0404F6303970}" type="slidenum">
               <a:rPr lang="en-US" smtClean="0"/>
-              <a:t>12</a:t>
+              <a:t>13</a:t>
             </a:fld>
             <a:endParaRPr lang="en-US" dirty="0"/>
           </a:p>
@@ -1558,7 +1746,7 @@
 </p:notes>
 </file>
 
-<file path=ppt/notesSlides/notesSlide13.xml><?xml version="1.0" encoding="utf-8"?>
+<file path=ppt/notesSlides/notesSlide14.xml><?xml version="1.0" encoding="utf-8"?>
 <p:notes xmlns:a="http://schemas.openxmlformats.org/drawingml/2006/main" xmlns:r="http://schemas.openxmlformats.org/officeDocument/2006/relationships" xmlns:p="http://schemas.openxmlformats.org/presentationml/2006/main">
   <p:cSld>
     <p:spTree>
@@ -1647,7 +1835,7 @@
           <a:p>
             <a:fld id="{A89C7E07-3C67-C64C-8DA0-0404F6303970}" type="slidenum">
               <a:rPr lang="en-US" smtClean="0"/>
-              <a:t>13</a:t>
+              <a:t>14</a:t>
             </a:fld>
             <a:endParaRPr lang="en-US" dirty="0"/>
           </a:p>
@@ -1666,7 +1854,7 @@
 </p:notes>
 </file>
 
-<file path=ppt/notesSlides/notesSlide14.xml><?xml version="1.0" encoding="utf-8"?>
+<file path=ppt/notesSlides/notesSlide15.xml><?xml version="1.0" encoding="utf-8"?>
 <p:notes xmlns:a="http://schemas.openxmlformats.org/drawingml/2006/main" xmlns:r="http://schemas.openxmlformats.org/officeDocument/2006/relationships" xmlns:p="http://schemas.openxmlformats.org/presentationml/2006/main">
   <p:cSld>
     <p:spTree>
@@ -1755,7 +1943,7 @@
           <a:p>
             <a:fld id="{A89C7E07-3C67-C64C-8DA0-0404F6303970}" type="slidenum">
               <a:rPr lang="en-US" smtClean="0"/>
-              <a:t>14</a:t>
+              <a:t>15</a:t>
             </a:fld>
             <a:endParaRPr lang="en-US" dirty="0"/>
           </a:p>
@@ -1774,7 +1962,7 @@
 </p:notes>
 </file>
 
-<file path=ppt/notesSlides/notesSlide15.xml><?xml version="1.0" encoding="utf-8"?>
+<file path=ppt/notesSlides/notesSlide16.xml><?xml version="1.0" encoding="utf-8"?>
 <p:notes xmlns:a="http://schemas.openxmlformats.org/drawingml/2006/main" xmlns:r="http://schemas.openxmlformats.org/officeDocument/2006/relationships" xmlns:p="http://schemas.openxmlformats.org/presentationml/2006/main">
   <p:cSld>
     <p:spTree>
@@ -1863,7 +2051,7 @@
           <a:p>
             <a:fld id="{A89C7E07-3C67-C64C-8DA0-0404F6303970}" type="slidenum">
               <a:rPr lang="en-US" smtClean="0"/>
-              <a:t>15</a:t>
+              <a:t>16</a:t>
             </a:fld>
             <a:endParaRPr lang="en-US" dirty="0"/>
           </a:p>
@@ -1873,90 +2061,6 @@
     <p:extLst>
       <p:ext uri="{BB962C8B-B14F-4D97-AF65-F5344CB8AC3E}">
         <p14:creationId xmlns:p14="http://schemas.microsoft.com/office/powerpoint/2010/main" val="1287828550"/>
-      </p:ext>
-    </p:extLst>
-  </p:cSld>
-  <p:clrMapOvr>
-    <a:masterClrMapping/>
-  </p:clrMapOvr>
-</p:notes>
-</file>
-
-<file path=ppt/notesSlides/notesSlide16.xml><?xml version="1.0" encoding="utf-8"?>
-<p:notes xmlns:a="http://schemas.openxmlformats.org/drawingml/2006/main" xmlns:r="http://schemas.openxmlformats.org/officeDocument/2006/relationships" xmlns:p="http://schemas.openxmlformats.org/presentationml/2006/main">
-  <p:cSld>
-    <p:spTree>
-      <p:nvGrpSpPr>
-        <p:cNvPr id="1" name=""/>
-        <p:cNvGrpSpPr/>
-        <p:nvPr/>
-      </p:nvGrpSpPr>
-      <p:grpSpPr>
-        <a:xfrm>
-          <a:off x="0" y="0"/>
-          <a:ext cx="0" cy="0"/>
-          <a:chOff x="0" y="0"/>
-          <a:chExt cx="0" cy="0"/>
-        </a:xfrm>
-      </p:grpSpPr>
-      <p:sp>
-        <p:nvSpPr>
-          <p:cNvPr id="2" name="Slide Image Placeholder 1"/>
-          <p:cNvSpPr>
-            <a:spLocks noGrp="1" noRot="1" noChangeAspect="1"/>
-          </p:cNvSpPr>
-          <p:nvPr>
-            <p:ph type="sldImg"/>
-          </p:nvPr>
-        </p:nvSpPr>
-        <p:spPr/>
-      </p:sp>
-      <p:sp>
-        <p:nvSpPr>
-          <p:cNvPr id="3" name="Notes Placeholder 2"/>
-          <p:cNvSpPr>
-            <a:spLocks noGrp="1"/>
-          </p:cNvSpPr>
-          <p:nvPr>
-            <p:ph type="body" idx="1"/>
-          </p:nvPr>
-        </p:nvSpPr>
-        <p:spPr/>
-        <p:txBody>
-          <a:bodyPr/>
-          <a:lstStyle/>
-          <a:p>
-            <a:endParaRPr lang="en-US" dirty="0"/>
-          </a:p>
-        </p:txBody>
-      </p:sp>
-      <p:sp>
-        <p:nvSpPr>
-          <p:cNvPr id="4" name="Slide Number Placeholder 3"/>
-          <p:cNvSpPr>
-            <a:spLocks noGrp="1"/>
-          </p:cNvSpPr>
-          <p:nvPr>
-            <p:ph type="sldNum" sz="quarter" idx="5"/>
-          </p:nvPr>
-        </p:nvSpPr>
-        <p:spPr/>
-        <p:txBody>
-          <a:bodyPr/>
-          <a:lstStyle/>
-          <a:p>
-            <a:fld id="{A89C7E07-3C67-C64C-8DA0-0404F6303970}" type="slidenum">
-              <a:rPr lang="en-US" smtClean="0"/>
-              <a:t>16</a:t>
-            </a:fld>
-            <a:endParaRPr lang="en-US" dirty="0"/>
-          </a:p>
-        </p:txBody>
-      </p:sp>
-    </p:spTree>
-    <p:extLst>
-      <p:ext uri="{BB962C8B-B14F-4D97-AF65-F5344CB8AC3E}">
-        <p14:creationId xmlns:p14="http://schemas.microsoft.com/office/powerpoint/2010/main" val="634596896"/>
       </p:ext>
     </p:extLst>
   </p:cSld>
@@ -2032,6 +2136,90 @@
             <a:fld id="{A89C7E07-3C67-C64C-8DA0-0404F6303970}" type="slidenum">
               <a:rPr lang="en-US" smtClean="0"/>
               <a:t>17</a:t>
+            </a:fld>
+            <a:endParaRPr lang="en-US" dirty="0"/>
+          </a:p>
+        </p:txBody>
+      </p:sp>
+    </p:spTree>
+    <p:extLst>
+      <p:ext uri="{BB962C8B-B14F-4D97-AF65-F5344CB8AC3E}">
+        <p14:creationId xmlns:p14="http://schemas.microsoft.com/office/powerpoint/2010/main" val="634596896"/>
+      </p:ext>
+    </p:extLst>
+  </p:cSld>
+  <p:clrMapOvr>
+    <a:masterClrMapping/>
+  </p:clrMapOvr>
+</p:notes>
+</file>
+
+<file path=ppt/notesSlides/notesSlide18.xml><?xml version="1.0" encoding="utf-8"?>
+<p:notes xmlns:a="http://schemas.openxmlformats.org/drawingml/2006/main" xmlns:r="http://schemas.openxmlformats.org/officeDocument/2006/relationships" xmlns:p="http://schemas.openxmlformats.org/presentationml/2006/main">
+  <p:cSld>
+    <p:spTree>
+      <p:nvGrpSpPr>
+        <p:cNvPr id="1" name=""/>
+        <p:cNvGrpSpPr/>
+        <p:nvPr/>
+      </p:nvGrpSpPr>
+      <p:grpSpPr>
+        <a:xfrm>
+          <a:off x="0" y="0"/>
+          <a:ext cx="0" cy="0"/>
+          <a:chOff x="0" y="0"/>
+          <a:chExt cx="0" cy="0"/>
+        </a:xfrm>
+      </p:grpSpPr>
+      <p:sp>
+        <p:nvSpPr>
+          <p:cNvPr id="2" name="Slide Image Placeholder 1"/>
+          <p:cNvSpPr>
+            <a:spLocks noGrp="1" noRot="1" noChangeAspect="1"/>
+          </p:cNvSpPr>
+          <p:nvPr>
+            <p:ph type="sldImg"/>
+          </p:nvPr>
+        </p:nvSpPr>
+        <p:spPr/>
+      </p:sp>
+      <p:sp>
+        <p:nvSpPr>
+          <p:cNvPr id="3" name="Notes Placeholder 2"/>
+          <p:cNvSpPr>
+            <a:spLocks noGrp="1"/>
+          </p:cNvSpPr>
+          <p:nvPr>
+            <p:ph type="body" idx="1"/>
+          </p:nvPr>
+        </p:nvSpPr>
+        <p:spPr/>
+        <p:txBody>
+          <a:bodyPr/>
+          <a:lstStyle/>
+          <a:p>
+            <a:endParaRPr lang="en-US" dirty="0"/>
+          </a:p>
+        </p:txBody>
+      </p:sp>
+      <p:sp>
+        <p:nvSpPr>
+          <p:cNvPr id="4" name="Slide Number Placeholder 3"/>
+          <p:cNvSpPr>
+            <a:spLocks noGrp="1"/>
+          </p:cNvSpPr>
+          <p:nvPr>
+            <p:ph type="sldNum" sz="quarter" idx="5"/>
+          </p:nvPr>
+        </p:nvSpPr>
+        <p:spPr/>
+        <p:txBody>
+          <a:bodyPr/>
+          <a:lstStyle/>
+          <a:p>
+            <a:fld id="{A89C7E07-3C67-C64C-8DA0-0404F6303970}" type="slidenum">
+              <a:rPr lang="en-US" smtClean="0"/>
+              <a:t>18</a:t>
             </a:fld>
             <a:endParaRPr lang="en-US" dirty="0"/>
           </a:p>
@@ -2766,7 +2954,7 @@
         <p:cNvPr id="1" name="">
           <a:extLst>
             <a:ext uri="{FF2B5EF4-FFF2-40B4-BE49-F238E27FC236}">
-              <a16:creationId xmlns:a16="http://schemas.microsoft.com/office/drawing/2014/main" id="{5EFCFC65-9120-1F09-2D2A-DA0AC6252F80}"/>
+              <a16:creationId xmlns:a16="http://schemas.microsoft.com/office/drawing/2014/main" id="{88D17073-1AA4-7477-FC73-8ADD04204FBB}"/>
             </a:ext>
           </a:extLst>
         </p:cNvPr>
@@ -2786,7 +2974,7 @@
           <p:cNvPr id="2" name="Slide Image Placeholder 1">
             <a:extLst>
               <a:ext uri="{FF2B5EF4-FFF2-40B4-BE49-F238E27FC236}">
-                <a16:creationId xmlns:a16="http://schemas.microsoft.com/office/drawing/2014/main" id="{201ECC1A-A9C0-EB60-8CBB-9F1FD4816802}"/>
+                <a16:creationId xmlns:a16="http://schemas.microsoft.com/office/drawing/2014/main" id="{684F10C9-6C26-CF13-A9BF-05426D28BB65}"/>
               </a:ext>
             </a:extLst>
           </p:cNvPr>
@@ -2804,7 +2992,7 @@
           <p:cNvPr id="3" name="Notes Placeholder 2">
             <a:extLst>
               <a:ext uri="{FF2B5EF4-FFF2-40B4-BE49-F238E27FC236}">
-                <a16:creationId xmlns:a16="http://schemas.microsoft.com/office/drawing/2014/main" id="{44C11DAC-4224-C4C2-3A26-DCAB96918F8F}"/>
+                <a16:creationId xmlns:a16="http://schemas.microsoft.com/office/drawing/2014/main" id="{95C87DDE-CC26-9162-4634-5127FE058670}"/>
               </a:ext>
             </a:extLst>
           </p:cNvPr>
@@ -2829,7 +3017,7 @@
           <p:cNvPr id="4" name="Slide Number Placeholder 3">
             <a:extLst>
               <a:ext uri="{FF2B5EF4-FFF2-40B4-BE49-F238E27FC236}">
-                <a16:creationId xmlns:a16="http://schemas.microsoft.com/office/drawing/2014/main" id="{C6C32B96-B4C4-FA09-9015-171890E1A99F}"/>
+                <a16:creationId xmlns:a16="http://schemas.microsoft.com/office/drawing/2014/main" id="{BD1EBD84-652C-6D1F-15AD-F1F015BD6B79}"/>
               </a:ext>
             </a:extLst>
           </p:cNvPr>
@@ -2856,7 +3044,7 @@
     </p:spTree>
     <p:extLst>
       <p:ext uri="{BB962C8B-B14F-4D97-AF65-F5344CB8AC3E}">
-        <p14:creationId xmlns:p14="http://schemas.microsoft.com/office/powerpoint/2010/main" val="2011792230"/>
+        <p14:creationId xmlns:p14="http://schemas.microsoft.com/office/powerpoint/2010/main" val="443640861"/>
       </p:ext>
     </p:extLst>
   </p:cSld>
@@ -11249,6 +11437,110 @@
         <p:cNvPr id="1" name="">
           <a:extLst>
             <a:ext uri="{FF2B5EF4-FFF2-40B4-BE49-F238E27FC236}">
+              <a16:creationId xmlns:a16="http://schemas.microsoft.com/office/drawing/2014/main" id="{9B464CC1-BE6A-E7D2-1134-F797E452DD69}"/>
+            </a:ext>
+          </a:extLst>
+        </p:cNvPr>
+        <p:cNvGrpSpPr/>
+        <p:nvPr/>
+      </p:nvGrpSpPr>
+      <p:grpSpPr>
+        <a:xfrm>
+          <a:off x="0" y="0"/>
+          <a:ext cx="0" cy="0"/>
+          <a:chOff x="0" y="0"/>
+          <a:chExt cx="0" cy="0"/>
+        </a:xfrm>
+      </p:grpSpPr>
+      <p:sp>
+        <p:nvSpPr>
+          <p:cNvPr id="9" name="Title 8">
+            <a:extLst>
+              <a:ext uri="{FF2B5EF4-FFF2-40B4-BE49-F238E27FC236}">
+                <a16:creationId xmlns:a16="http://schemas.microsoft.com/office/drawing/2014/main" id="{4823806F-06E0-0A6E-E91B-35B473BCB2DB}"/>
+              </a:ext>
+            </a:extLst>
+          </p:cNvPr>
+          <p:cNvSpPr>
+            <a:spLocks noGrp="1"/>
+          </p:cNvSpPr>
+          <p:nvPr>
+            <p:ph type="ctrTitle"/>
+          </p:nvPr>
+        </p:nvSpPr>
+        <p:spPr>
+          <a:xfrm>
+            <a:off x="6309904" y="411479"/>
+            <a:ext cx="5486400" cy="3291840"/>
+          </a:xfrm>
+        </p:spPr>
+        <p:txBody>
+          <a:bodyPr/>
+          <a:lstStyle/>
+          <a:p>
+            <a:r>
+              <a:rPr lang="en-US" dirty="0"/>
+              <a:t>Modelling</a:t>
+            </a:r>
+          </a:p>
+        </p:txBody>
+      </p:sp>
+      <p:sp>
+        <p:nvSpPr>
+          <p:cNvPr id="3" name="Text Placeholder 2">
+            <a:extLst>
+              <a:ext uri="{FF2B5EF4-FFF2-40B4-BE49-F238E27FC236}">
+                <a16:creationId xmlns:a16="http://schemas.microsoft.com/office/drawing/2014/main" id="{EDC9B312-C201-78DD-3154-22295E3D0B95}"/>
+              </a:ext>
+            </a:extLst>
+          </p:cNvPr>
+          <p:cNvSpPr>
+            <a:spLocks noGrp="1"/>
+          </p:cNvSpPr>
+          <p:nvPr>
+            <p:ph type="body" sz="quarter" idx="11"/>
+          </p:nvPr>
+        </p:nvSpPr>
+        <p:spPr>
+          <a:xfrm>
+            <a:off x="6309905" y="4549552"/>
+            <a:ext cx="5486400" cy="1645920"/>
+          </a:xfrm>
+        </p:spPr>
+        <p:txBody>
+          <a:bodyPr>
+            <a:normAutofit/>
+          </a:bodyPr>
+          <a:lstStyle/>
+          <a:p>
+            <a:r>
+              <a:rPr lang="en-US" dirty="0"/>
+              <a:t>Approach and final choice</a:t>
+            </a:r>
+          </a:p>
+        </p:txBody>
+      </p:sp>
+    </p:spTree>
+    <p:extLst>
+      <p:ext uri="{BB962C8B-B14F-4D97-AF65-F5344CB8AC3E}">
+        <p14:creationId xmlns:p14="http://schemas.microsoft.com/office/powerpoint/2010/main" val="3450888200"/>
+      </p:ext>
+    </p:extLst>
+  </p:cSld>
+  <p:clrMapOvr>
+    <a:masterClrMapping/>
+  </p:clrMapOvr>
+</p:sld>
+</file>
+
+<file path=ppt/slides/slide11.xml><?xml version="1.0" encoding="utf-8"?>
+<p:sld xmlns:a="http://schemas.openxmlformats.org/drawingml/2006/main" xmlns:r="http://schemas.openxmlformats.org/officeDocument/2006/relationships" xmlns:p="http://schemas.openxmlformats.org/presentationml/2006/main">
+  <p:cSld>
+    <p:spTree>
+      <p:nvGrpSpPr>
+        <p:cNvPr id="1" name="">
+          <a:extLst>
+            <a:ext uri="{FF2B5EF4-FFF2-40B4-BE49-F238E27FC236}">
               <a16:creationId xmlns:a16="http://schemas.microsoft.com/office/drawing/2014/main" id="{CD1B0C24-6F37-8E9B-9001-62B59AD2C808}"/>
             </a:ext>
           </a:extLst>
@@ -11315,7 +11607,7 @@
         </p:nvSpPr>
         <p:spPr>
           <a:xfrm>
-            <a:off x="3657600" y="2281238"/>
+            <a:off x="1159497" y="2253901"/>
             <a:ext cx="7810500" cy="3700462"/>
           </a:xfrm>
         </p:spPr>
@@ -11703,7 +11995,7 @@
 </p:sld>
 </file>
 
-<file path=ppt/slides/slide11.xml><?xml version="1.0" encoding="utf-8"?>
+<file path=ppt/slides/slide12.xml><?xml version="1.0" encoding="utf-8"?>
 <p:sld xmlns:a="http://schemas.openxmlformats.org/drawingml/2006/main" xmlns:r="http://schemas.openxmlformats.org/officeDocument/2006/relationships" xmlns:p="http://schemas.openxmlformats.org/presentationml/2006/main">
   <p:cSld>
     <p:spTree>
@@ -11777,13 +12069,13 @@
         </p:nvSpPr>
         <p:spPr>
           <a:xfrm>
-            <a:off x="3657600" y="2281238"/>
-            <a:ext cx="7810500" cy="3700462"/>
+            <a:off x="1234911" y="2290665"/>
+            <a:ext cx="5891753" cy="1385789"/>
           </a:xfrm>
         </p:spPr>
         <p:txBody>
           <a:bodyPr>
-            <a:normAutofit/>
+            <a:noAutofit/>
           </a:bodyPr>
           <a:lstStyle/>
           <a:p>
@@ -11795,13 +12087,13 @@
           <a:p>
             <a:r>
               <a:rPr lang="en-US" dirty="0"/>
-              <a:t>Random Forest selected as best model based on ROC AUC and overall performance</a:t>
+              <a:t>Logistic regression better on accuracy, precision, recall, f1</a:t>
             </a:r>
           </a:p>
           <a:p>
             <a:r>
               <a:rPr lang="en-US" dirty="0"/>
-              <a:t>Random Forest (test metrics): Accuracy: 0.77 | Precision: 0.54 | Recall: 0.29 | F1-score: 0.37 | ROC AUC: 0.85</a:t>
+              <a:t>Random Forest better based on ROC AUC  </a:t>
             </a:r>
           </a:p>
         </p:txBody>
@@ -12138,6 +12430,96 @@
           </p:txBody>
         </p:sp>
       </p:grpSp>
+      <p:pic>
+        <p:nvPicPr>
+          <p:cNvPr id="4" name="Picture 3">
+            <a:extLst>
+              <a:ext uri="{FF2B5EF4-FFF2-40B4-BE49-F238E27FC236}">
+                <a16:creationId xmlns:a16="http://schemas.microsoft.com/office/drawing/2014/main" id="{58028F62-1B5D-7814-145C-5D7073583FF1}"/>
+              </a:ext>
+            </a:extLst>
+          </p:cNvPr>
+          <p:cNvPicPr>
+            <a:picLocks noChangeAspect="1"/>
+          </p:cNvPicPr>
+          <p:nvPr/>
+        </p:nvPicPr>
+        <p:blipFill>
+          <a:blip r:embed="rId3"/>
+          <a:stretch>
+            <a:fillRect/>
+          </a:stretch>
+        </p:blipFill>
+        <p:spPr>
+          <a:xfrm>
+            <a:off x="2289922" y="4720475"/>
+            <a:ext cx="5153744" cy="847843"/>
+          </a:xfrm>
+          <a:prstGeom prst="rect">
+            <a:avLst/>
+          </a:prstGeom>
+        </p:spPr>
+      </p:pic>
+      <p:pic>
+        <p:nvPicPr>
+          <p:cNvPr id="6" name="Picture 5">
+            <a:extLst>
+              <a:ext uri="{FF2B5EF4-FFF2-40B4-BE49-F238E27FC236}">
+                <a16:creationId xmlns:a16="http://schemas.microsoft.com/office/drawing/2014/main" id="{BCDF34A6-1034-F22F-1696-6BEDE04B3357}"/>
+              </a:ext>
+            </a:extLst>
+          </p:cNvPr>
+          <p:cNvPicPr>
+            <a:picLocks noChangeAspect="1"/>
+          </p:cNvPicPr>
+          <p:nvPr/>
+        </p:nvPicPr>
+        <p:blipFill>
+          <a:blip r:embed="rId4"/>
+          <a:stretch>
+            <a:fillRect/>
+          </a:stretch>
+        </p:blipFill>
+        <p:spPr>
+          <a:xfrm>
+            <a:off x="8071801" y="405892"/>
+            <a:ext cx="2885288" cy="2935250"/>
+          </a:xfrm>
+          <a:prstGeom prst="rect">
+            <a:avLst/>
+          </a:prstGeom>
+        </p:spPr>
+      </p:pic>
+      <p:pic>
+        <p:nvPicPr>
+          <p:cNvPr id="9" name="Picture 8">
+            <a:extLst>
+              <a:ext uri="{FF2B5EF4-FFF2-40B4-BE49-F238E27FC236}">
+                <a16:creationId xmlns:a16="http://schemas.microsoft.com/office/drawing/2014/main" id="{81B71815-2555-D962-42A0-07C982D646C3}"/>
+              </a:ext>
+            </a:extLst>
+          </p:cNvPr>
+          <p:cNvPicPr>
+            <a:picLocks noChangeAspect="1"/>
+          </p:cNvPicPr>
+          <p:nvPr/>
+        </p:nvPicPr>
+        <p:blipFill>
+          <a:blip r:embed="rId5"/>
+          <a:stretch>
+            <a:fillRect/>
+          </a:stretch>
+        </p:blipFill>
+        <p:spPr>
+          <a:xfrm>
+            <a:off x="8305417" y="3516858"/>
+            <a:ext cx="2809537" cy="2858187"/>
+          </a:xfrm>
+          <a:prstGeom prst="rect">
+            <a:avLst/>
+          </a:prstGeom>
+        </p:spPr>
+      </p:pic>
     </p:spTree>
     <p:extLst>
       <p:ext uri="{BB962C8B-B14F-4D97-AF65-F5344CB8AC3E}">
@@ -12151,7 +12533,7 @@
 </p:sld>
 </file>
 
-<file path=ppt/slides/slide12.xml><?xml version="1.0" encoding="utf-8"?>
+<file path=ppt/slides/slide13.xml><?xml version="1.0" encoding="utf-8"?>
 <p:sld xmlns:a="http://schemas.openxmlformats.org/drawingml/2006/main" xmlns:r="http://schemas.openxmlformats.org/officeDocument/2006/relationships" xmlns:p="http://schemas.openxmlformats.org/presentationml/2006/main">
   <p:cSld>
     <p:spTree>
@@ -12225,7 +12607,7 @@
         </p:nvSpPr>
         <p:spPr>
           <a:xfrm>
-            <a:off x="3657600" y="2281238"/>
+            <a:off x="1338606" y="2413254"/>
             <a:ext cx="7810500" cy="3700462"/>
           </a:xfrm>
         </p:spPr>
@@ -12237,44 +12619,21 @@
           <a:p>
             <a:r>
               <a:rPr lang="en-US" dirty="0"/>
-              <a:t>Final model: </a:t>
+              <a:t>For all threshold-based metrics (accuracy, precision, recall, F1), Logistic Regression is much better.</a:t>
+            </a:r>
+          </a:p>
+          <a:p>
+            <a:r>
+              <a:rPr lang="en-US" dirty="0"/>
+              <a:t>In a fraud setting, recall and F1 are critical (catching fraud cases). </a:t>
             </a:r>
             <a:r>
-              <a:rPr lang="en-US" dirty="0" err="1"/>
-              <a:t>RandomForestClassifier</a:t>
+              <a:rPr lang="en-US"/>
+              <a:t>Logistic Regression recall (≈0.69) is far superior to Random Forest (≈0.29</a:t>
             </a:r>
-            <a:r>
-              <a:rPr lang="en-US" dirty="0"/>
-              <a:t> (200 trees, </a:t>
-            </a:r>
-            <a:r>
-              <a:rPr lang="en-US" dirty="0" err="1"/>
-              <a:t>class_weight</a:t>
-            </a:r>
-            <a:r>
-              <a:rPr lang="en-US" dirty="0"/>
-              <a:t>='</a:t>
-            </a:r>
-            <a:r>
-              <a:rPr lang="en-US" dirty="0" err="1"/>
-              <a:t>balanced_subsample</a:t>
-            </a:r>
-            <a:r>
-              <a:rPr lang="en-US" dirty="0"/>
-              <a:t>')</a:t>
-            </a:r>
-          </a:p>
-          <a:p>
-            <a:r>
-              <a:rPr lang="en-US" dirty="0"/>
-              <a:t>Good ranking ability (high ROC AUC) – effective at scoring claims from low to high fraud risk</a:t>
-            </a:r>
-          </a:p>
-          <a:p>
-            <a:r>
-              <a:rPr lang="en-US" dirty="0"/>
-              <a:t>At default threshold (0.5) recall is modest: some fraud cases are still missed</a:t>
-            </a:r>
+          </a:p>
+          <a:p>
+            <a:endParaRPr lang="en-US" dirty="0"/>
           </a:p>
         </p:txBody>
       </p:sp>
@@ -12623,7 +12982,7 @@
 </p:sld>
 </file>
 
-<file path=ppt/slides/slide13.xml><?xml version="1.0" encoding="utf-8"?>
+<file path=ppt/slides/slide14.xml><?xml version="1.0" encoding="utf-8"?>
 <p:sld xmlns:a="http://schemas.openxmlformats.org/drawingml/2006/main" xmlns:r="http://schemas.openxmlformats.org/officeDocument/2006/relationships" xmlns:p="http://schemas.openxmlformats.org/presentationml/2006/main">
   <p:cSld>
     <p:spTree>
@@ -12709,7 +13068,7 @@
           <a:p>
             <a:r>
               <a:rPr lang="en-US" dirty="0"/>
-              <a:t>YYY</a:t>
+              <a:t>For consideration</a:t>
             </a:r>
           </a:p>
         </p:txBody>
@@ -12727,7 +13086,7 @@
 </p:sld>
 </file>
 
-<file path=ppt/slides/slide14.xml><?xml version="1.0" encoding="utf-8"?>
+<file path=ppt/slides/slide15.xml><?xml version="1.0" encoding="utf-8"?>
 <p:sld xmlns:a="http://schemas.openxmlformats.org/drawingml/2006/main" xmlns:r="http://schemas.openxmlformats.org/officeDocument/2006/relationships" xmlns:p="http://schemas.openxmlformats.org/presentationml/2006/main">
   <p:cSld>
     <p:spTree>
@@ -12801,7 +13160,7 @@
         </p:nvSpPr>
         <p:spPr>
           <a:xfrm>
-            <a:off x="3657600" y="2281238"/>
+            <a:off x="594360" y="2413254"/>
             <a:ext cx="7810500" cy="3700462"/>
           </a:xfrm>
         </p:spPr>
@@ -13182,7 +13541,7 @@
 </p:sld>
 </file>
 
-<file path=ppt/slides/slide15.xml><?xml version="1.0" encoding="utf-8"?>
+<file path=ppt/slides/slide16.xml><?xml version="1.0" encoding="utf-8"?>
 <p:sld xmlns:a="http://schemas.openxmlformats.org/drawingml/2006/main" xmlns:r="http://schemas.openxmlformats.org/officeDocument/2006/relationships" xmlns:p="http://schemas.openxmlformats.org/presentationml/2006/main">
   <p:cSld>
     <p:spTree>
@@ -13256,7 +13615,7 @@
         </p:nvSpPr>
         <p:spPr>
           <a:xfrm>
-            <a:off x="3657600" y="2281238"/>
+            <a:off x="886120" y="2309519"/>
             <a:ext cx="7810500" cy="3700462"/>
           </a:xfrm>
         </p:spPr>
@@ -13268,14 +13627,17 @@
           <a:p>
             <a:r>
               <a:rPr lang="en-US" dirty="0"/>
-              <a:t>Threshold tuning and cost-sensitive evaluation (focus on recall and business cost).</a:t>
+              <a:t>Methodological improvements: Threshold tuning, cost-sensitive metrics, Feature engineering </a:t>
             </a:r>
           </a:p>
           <a:p>
             <a:r>
               <a:rPr lang="en-US" dirty="0"/>
-              <a:t>Additional feature engineering, model tuning (e.g. gradient boosting), interpretability (e.g. SHAP), and production monitoring</a:t>
+              <a:t>Operational improvements: Deployment, monitoring, retraining</a:t>
             </a:r>
+          </a:p>
+          <a:p>
+            <a:endParaRPr lang="en-US" dirty="0"/>
           </a:p>
         </p:txBody>
       </p:sp>
@@ -13624,7 +13986,7 @@
 </p:sld>
 </file>
 
-<file path=ppt/slides/slide16.xml><?xml version="1.0" encoding="utf-8"?>
+<file path=ppt/slides/slide17.xml><?xml version="1.0" encoding="utf-8"?>
 <p:sld xmlns:a="http://schemas.openxmlformats.org/drawingml/2006/main" xmlns:r="http://schemas.openxmlformats.org/officeDocument/2006/relationships" xmlns:p="http://schemas.openxmlformats.org/presentationml/2006/main">
   <p:cSld>
     <p:spTree>
@@ -13725,8 +14087,8 @@
               <a:buChar char="•"/>
             </a:pPr>
             <a:r>
-              <a:rPr lang="en-US" dirty="0"/>
-              <a:t>Random Forest provides a strong baseline model with good ranking performance for fraud risk.</a:t>
+              <a:rPr lang="en-US" b="1" dirty="0"/>
+              <a:t>Logistic Regression, with appropriate preprocessing, is selected as the final fraud-detection model because it provides the best balance of precision and recall </a:t>
             </a:r>
           </a:p>
           <a:p>
@@ -13754,7 +14116,7 @@
 </p:sld>
 </file>
 
-<file path=ppt/slides/slide17.xml><?xml version="1.0" encoding="utf-8"?>
+<file path=ppt/slides/slide18.xml><?xml version="1.0" encoding="utf-8"?>
 <p:sld xmlns:a="http://schemas.openxmlformats.org/drawingml/2006/main" xmlns:r="http://schemas.openxmlformats.org/officeDocument/2006/relationships" xmlns:p="http://schemas.openxmlformats.org/presentationml/2006/main">
   <p:cSld>
     <p:spTree>
@@ -13937,7 +14299,7 @@
           <a:p>
             <a:r>
               <a:rPr lang="en-US" dirty="0"/>
-              <a:t>Background </a:t>
+              <a:t>Background &amp; Business Context</a:t>
             </a:r>
           </a:p>
           <a:p>
@@ -14030,7 +14392,7 @@
           <a:p>
             <a:r>
               <a:rPr lang="en-US" dirty="0"/>
-              <a:t>Background</a:t>
+              <a:t>Background &amp; Business Context</a:t>
             </a:r>
           </a:p>
         </p:txBody>
@@ -14151,8 +14513,8 @@
         </p:nvSpPr>
         <p:spPr>
           <a:xfrm>
-            <a:off x="3657600" y="2281238"/>
-            <a:ext cx="7810500" cy="3700462"/>
+            <a:off x="1178351" y="2290664"/>
+            <a:ext cx="7626284" cy="3700462"/>
           </a:xfrm>
         </p:spPr>
         <p:txBody>
@@ -14181,7 +14543,15 @@
           <a:p>
             <a:r>
               <a:rPr lang="en-US" dirty="0"/>
-              <a:t>Purpose: To support more effective risk management and fraud investigation in an insurance setting</a:t>
+              <a:t>Problem: Detect potentially fraudulent claims early to </a:t>
+            </a:r>
+            <a:r>
+              <a:rPr lang="en-US" dirty="0" err="1"/>
+              <a:t>prioritise</a:t>
+            </a:r>
+            <a:r>
+              <a:rPr lang="en-US" dirty="0"/>
+              <a:t> investigation in order to support more effective risk management  </a:t>
             </a:r>
           </a:p>
           <a:p>
@@ -14715,7 +15085,7 @@
         </p:nvSpPr>
         <p:spPr>
           <a:xfrm>
-            <a:off x="3657600" y="2281238"/>
+            <a:off x="1291472" y="2271811"/>
             <a:ext cx="7810500" cy="3700462"/>
           </a:xfrm>
         </p:spPr>
@@ -15295,8 +15665,8 @@
         </p:nvSpPr>
         <p:spPr>
           <a:xfrm>
-            <a:off x="3657600" y="2281238"/>
-            <a:ext cx="7810500" cy="3700462"/>
+            <a:off x="1253765" y="2190270"/>
+            <a:ext cx="6457361" cy="3700462"/>
           </a:xfrm>
         </p:spPr>
         <p:txBody>
@@ -15323,33 +15693,15 @@
           </a:p>
           <a:p>
             <a:r>
-              <a:rPr lang="en-US" dirty="0"/>
-              <a:t>Fraud rates vary by incident type, severity, authorities contacted and geographic variables (</a:t>
+              <a:rPr lang="en-US"/>
+              <a:t>Fraud rates vary by incident type, severity, authorities contacted and geographic variables </a:t>
             </a:r>
+          </a:p>
+          <a:p>
             <a:r>
-              <a:rPr lang="en-US" dirty="0" err="1"/>
-              <a:t>incident_state</a:t>
+              <a:rPr lang="en-US"/>
+              <a:t>Within incident severity “Major Damage” appears far more frequently among fraud “Y” cases than “N”</a:t>
             </a:r>
-            <a:r>
-              <a:rPr lang="en-US" dirty="0"/>
-              <a:t>, </a:t>
-            </a:r>
-            <a:r>
-              <a:rPr lang="en-US" dirty="0" err="1"/>
-              <a:t>policy_state</a:t>
-            </a:r>
-            <a:r>
-              <a:rPr lang="en-US" dirty="0"/>
-              <a:t>)</a:t>
-            </a:r>
-          </a:p>
-          <a:p>
-            <a:r>
-              <a:rPr lang="en-US" dirty="0"/>
-              <a:t>Incident hour of the day also shows variation in fraud rate, suggesting useful temporal signal</a:t>
-            </a:r>
-          </a:p>
-          <a:p>
             <a:endParaRPr lang="en-US" dirty="0"/>
           </a:p>
         </p:txBody>
@@ -15686,6 +16038,66 @@
           </p:txBody>
         </p:sp>
       </p:grpSp>
+      <p:pic>
+        <p:nvPicPr>
+          <p:cNvPr id="4" name="Picture 3">
+            <a:extLst>
+              <a:ext uri="{FF2B5EF4-FFF2-40B4-BE49-F238E27FC236}">
+                <a16:creationId xmlns:a16="http://schemas.microsoft.com/office/drawing/2014/main" id="{9D80FE4D-1B88-F36A-C60C-60C6BE68B871}"/>
+              </a:ext>
+            </a:extLst>
+          </p:cNvPr>
+          <p:cNvPicPr>
+            <a:picLocks noChangeAspect="1"/>
+          </p:cNvPicPr>
+          <p:nvPr/>
+        </p:nvPicPr>
+        <p:blipFill>
+          <a:blip r:embed="rId3"/>
+          <a:stretch>
+            <a:fillRect/>
+          </a:stretch>
+        </p:blipFill>
+        <p:spPr>
+          <a:xfrm>
+            <a:off x="8859493" y="804861"/>
+            <a:ext cx="2325910" cy="2363628"/>
+          </a:xfrm>
+          <a:prstGeom prst="rect">
+            <a:avLst/>
+          </a:prstGeom>
+        </p:spPr>
+      </p:pic>
+      <p:pic>
+        <p:nvPicPr>
+          <p:cNvPr id="6" name="Picture 5">
+            <a:extLst>
+              <a:ext uri="{FF2B5EF4-FFF2-40B4-BE49-F238E27FC236}">
+                <a16:creationId xmlns:a16="http://schemas.microsoft.com/office/drawing/2014/main" id="{D00F2450-E69D-E1FB-49FE-AD6DC19D4F11}"/>
+              </a:ext>
+            </a:extLst>
+          </p:cNvPr>
+          <p:cNvPicPr>
+            <a:picLocks noChangeAspect="1"/>
+          </p:cNvPicPr>
+          <p:nvPr/>
+        </p:nvPicPr>
+        <p:blipFill>
+          <a:blip r:embed="rId4"/>
+          <a:stretch>
+            <a:fillRect/>
+          </a:stretch>
+        </p:blipFill>
+        <p:spPr>
+          <a:xfrm>
+            <a:off x="8182466" y="3558214"/>
+            <a:ext cx="3509913" cy="2625254"/>
+          </a:xfrm>
+          <a:prstGeom prst="rect">
+            <a:avLst/>
+          </a:prstGeom>
+        </p:spPr>
+      </p:pic>
     </p:spTree>
     <p:extLst>
       <p:ext uri="{BB962C8B-B14F-4D97-AF65-F5344CB8AC3E}">
@@ -15707,7 +16119,7 @@
         <p:cNvPr id="1" name="">
           <a:extLst>
             <a:ext uri="{FF2B5EF4-FFF2-40B4-BE49-F238E27FC236}">
-              <a16:creationId xmlns:a16="http://schemas.microsoft.com/office/drawing/2014/main" id="{9B464CC1-BE6A-E7D2-1134-F797E452DD69}"/>
+              <a16:creationId xmlns:a16="http://schemas.microsoft.com/office/drawing/2014/main" id="{1014CFCB-79C3-59B3-E329-2827E2B59B63}"/>
             </a:ext>
           </a:extLst>
         </p:cNvPr>
@@ -15724,10 +16136,10 @@
       </p:grpSpPr>
       <p:sp>
         <p:nvSpPr>
-          <p:cNvPr id="9" name="Title 8">
+          <p:cNvPr id="3" name="Title 2">
             <a:extLst>
               <a:ext uri="{FF2B5EF4-FFF2-40B4-BE49-F238E27FC236}">
-                <a16:creationId xmlns:a16="http://schemas.microsoft.com/office/drawing/2014/main" id="{4823806F-06E0-0A6E-E91B-35B473BCB2DB}"/>
+                <a16:creationId xmlns:a16="http://schemas.microsoft.com/office/drawing/2014/main" id="{94948769-C0A6-004B-7DBB-8E8903197A56}"/>
               </a:ext>
             </a:extLst>
           </p:cNvPr>
@@ -15735,13 +16147,13 @@
             <a:spLocks noGrp="1"/>
           </p:cNvSpPr>
           <p:nvPr>
-            <p:ph type="ctrTitle"/>
+            <p:ph type="title"/>
           </p:nvPr>
         </p:nvSpPr>
         <p:spPr>
           <a:xfrm>
-            <a:off x="6309904" y="411479"/>
-            <a:ext cx="5486400" cy="3291840"/>
+            <a:off x="594360" y="102875"/>
+            <a:ext cx="10873740" cy="1680205"/>
           </a:xfrm>
         </p:spPr>
         <p:txBody>
@@ -15750,17 +16162,17 @@
           <a:p>
             <a:r>
               <a:rPr lang="en-US" dirty="0"/>
-              <a:t>Modelling</a:t>
+              <a:t>Key Findings</a:t>
             </a:r>
           </a:p>
         </p:txBody>
       </p:sp>
       <p:sp>
         <p:nvSpPr>
-          <p:cNvPr id="3" name="Text Placeholder 2">
+          <p:cNvPr id="7" name="Text Placeholder 6">
             <a:extLst>
               <a:ext uri="{FF2B5EF4-FFF2-40B4-BE49-F238E27FC236}">
-                <a16:creationId xmlns:a16="http://schemas.microsoft.com/office/drawing/2014/main" id="{EDC9B312-C201-78DD-3154-22295E3D0B95}"/>
+                <a16:creationId xmlns:a16="http://schemas.microsoft.com/office/drawing/2014/main" id="{470D87A1-1D4D-5AAF-3FDC-E2D3FD586FB6}"/>
               </a:ext>
             </a:extLst>
           </p:cNvPr>
@@ -15768,13 +16180,13 @@
             <a:spLocks noGrp="1"/>
           </p:cNvSpPr>
           <p:nvPr>
-            <p:ph type="body" sz="quarter" idx="11"/>
+            <p:ph sz="quarter" idx="13"/>
           </p:nvPr>
         </p:nvSpPr>
         <p:spPr>
           <a:xfrm>
-            <a:off x="6309905" y="4549552"/>
-            <a:ext cx="5486400" cy="1645920"/>
+            <a:off x="1253765" y="2190270"/>
+            <a:ext cx="6457361" cy="3700462"/>
           </a:xfrm>
         </p:spPr>
         <p:txBody>
@@ -15784,16 +16196,430 @@
           <a:lstStyle/>
           <a:p>
             <a:r>
+              <a:rPr lang="en-US"/>
+              <a:t>Moderate class imbalance: non-fraud claims outnumber fraud claims by roughly 3:1</a:t>
+            </a:r>
+          </a:p>
+          <a:p>
+            <a:r>
+              <a:rPr lang="en-US"/>
+              <a:t>Claim components (injury, property, vehicle) are right-skewed and highly correlated with total_claim_amount</a:t>
+            </a:r>
+          </a:p>
+          <a:p>
+            <a:r>
+              <a:rPr lang="en-US"/>
+              <a:t>Fraud </a:t>
+            </a:r>
+            <a:r>
               <a:rPr lang="en-US" dirty="0"/>
-              <a:t>Approach and final choice</a:t>
+              <a:t>rates vary by incident type, severity, authorities contacted and geographic variables </a:t>
+            </a:r>
+          </a:p>
+          <a:p>
+            <a:r>
+              <a:rPr lang="en-US" dirty="0"/>
+              <a:t>Within incident severity “Major Damage” appears far more frequently among fraud “Y” cases than “N”</a:t>
             </a:r>
           </a:p>
         </p:txBody>
       </p:sp>
+      <p:grpSp>
+        <p:nvGrpSpPr>
+          <p:cNvPr id="19" name="Group 18">
+            <a:extLst>
+              <a:ext uri="{FF2B5EF4-FFF2-40B4-BE49-F238E27FC236}">
+                <a16:creationId xmlns:a16="http://schemas.microsoft.com/office/drawing/2014/main" id="{D0E0B227-625D-D092-9CD2-E97EE49477A4}"/>
+              </a:ext>
+              <a:ext uri="{C183D7F6-B498-43B3-948B-1728B52AA6E4}">
+                <adec:decorative xmlns:adec="http://schemas.microsoft.com/office/drawing/2017/decorative" val="1"/>
+              </a:ext>
+            </a:extLst>
+          </p:cNvPr>
+          <p:cNvGrpSpPr>
+            <a:grpSpLocks/>
+          </p:cNvGrpSpPr>
+          <p:nvPr/>
+        </p:nvGrpSpPr>
+        <p:grpSpPr bwMode="auto">
+          <a:xfrm rot="16200000" flipV="1">
+            <a:off x="0" y="3900132"/>
+            <a:ext cx="2959226" cy="2959226"/>
+            <a:chOff x="0" y="12289"/>
+            <a:chExt cx="3550" cy="3551"/>
+          </a:xfrm>
+        </p:grpSpPr>
+        <p:sp>
+          <p:nvSpPr>
+            <p:cNvPr id="20" name="Freeform 19">
+              <a:extLst>
+                <a:ext uri="{FF2B5EF4-FFF2-40B4-BE49-F238E27FC236}">
+                  <a16:creationId xmlns:a16="http://schemas.microsoft.com/office/drawing/2014/main" id="{E508DDF6-9981-2F11-83CD-769595DFC4C6}"/>
+                </a:ext>
+              </a:extLst>
+            </p:cNvPr>
+            <p:cNvSpPr>
+              <a:spLocks/>
+            </p:cNvSpPr>
+            <p:nvPr/>
+          </p:nvSpPr>
+          <p:spPr bwMode="auto">
+            <a:xfrm>
+              <a:off x="0" y="12289"/>
+              <a:ext cx="1789" cy="2386"/>
+            </a:xfrm>
+            <a:custGeom>
+              <a:avLst/>
+              <a:gdLst>
+                <a:gd name="T0" fmla="*/ 0 w 1789"/>
+                <a:gd name="T1" fmla="+- 0 12290 12290"/>
+                <a:gd name="T2" fmla="*/ 12290 h 2386"/>
+                <a:gd name="T3" fmla="*/ 0 w 1789"/>
+                <a:gd name="T4" fmla="+- 0 13484 12290"/>
+                <a:gd name="T5" fmla="*/ 13484 h 2386"/>
+                <a:gd name="T6" fmla="*/ 1192 w 1789"/>
+                <a:gd name="T7" fmla="+- 0 14676 12290"/>
+                <a:gd name="T8" fmla="*/ 14676 h 2386"/>
+                <a:gd name="T9" fmla="*/ 1789 w 1789"/>
+                <a:gd name="T10" fmla="+- 0 14079 12290"/>
+                <a:gd name="T11" fmla="*/ 14079 h 2386"/>
+                <a:gd name="T12" fmla="*/ 0 w 1789"/>
+                <a:gd name="T13" fmla="+- 0 12290 12290"/>
+                <a:gd name="T14" fmla="*/ 12290 h 2386"/>
+              </a:gdLst>
+              <a:ahLst/>
+              <a:cxnLst>
+                <a:cxn ang="0">
+                  <a:pos x="T0" y="T2"/>
+                </a:cxn>
+                <a:cxn ang="0">
+                  <a:pos x="T3" y="T5"/>
+                </a:cxn>
+                <a:cxn ang="0">
+                  <a:pos x="T6" y="T8"/>
+                </a:cxn>
+                <a:cxn ang="0">
+                  <a:pos x="T9" y="T11"/>
+                </a:cxn>
+                <a:cxn ang="0">
+                  <a:pos x="T12" y="T14"/>
+                </a:cxn>
+              </a:cxnLst>
+              <a:rect l="0" t="0" r="r" b="b"/>
+              <a:pathLst>
+                <a:path w="1789" h="2386">
+                  <a:moveTo>
+                    <a:pt x="0" y="0"/>
+                  </a:moveTo>
+                  <a:lnTo>
+                    <a:pt x="0" y="1194"/>
+                  </a:lnTo>
+                  <a:lnTo>
+                    <a:pt x="1192" y="2386"/>
+                  </a:lnTo>
+                  <a:lnTo>
+                    <a:pt x="1789" y="1789"/>
+                  </a:lnTo>
+                  <a:lnTo>
+                    <a:pt x="0" y="0"/>
+                  </a:lnTo>
+                  <a:close/>
+                </a:path>
+              </a:pathLst>
+            </a:custGeom>
+            <a:solidFill>
+              <a:schemeClr val="accent6"/>
+            </a:solidFill>
+            <a:ln>
+              <a:noFill/>
+            </a:ln>
+            <a:extLst>
+              <a:ext uri="{91240B29-F687-4F45-9708-019B960494DF}">
+                <a14:hiddenLine xmlns:a14="http://schemas.microsoft.com/office/drawing/2010/main" w="9525">
+                  <a:solidFill>
+                    <a:srgbClr val="000000"/>
+                  </a:solidFill>
+                  <a:round/>
+                  <a:headEnd/>
+                  <a:tailEnd/>
+                </a14:hiddenLine>
+              </a:ext>
+            </a:extLst>
+          </p:spPr>
+          <p:txBody>
+            <a:bodyPr rot="0" vert="horz" wrap="square" lIns="91440" tIns="45720" rIns="91440" bIns="45720" anchor="t" anchorCtr="0" upright="1">
+              <a:noAutofit/>
+            </a:bodyPr>
+            <a:lstStyle/>
+            <a:p>
+              <a:endParaRPr lang="en-US" dirty="0"/>
+            </a:p>
+          </p:txBody>
+        </p:sp>
+        <p:sp>
+          <p:nvSpPr>
+            <p:cNvPr id="21" name="Freeform 20">
+              <a:extLst>
+                <a:ext uri="{FF2B5EF4-FFF2-40B4-BE49-F238E27FC236}">
+                  <a16:creationId xmlns:a16="http://schemas.microsoft.com/office/drawing/2014/main" id="{F6435DA1-C95C-C80D-9D44-D5CB85BFD2CA}"/>
+                </a:ext>
+              </a:extLst>
+            </p:cNvPr>
+            <p:cNvSpPr>
+              <a:spLocks/>
+            </p:cNvSpPr>
+            <p:nvPr/>
+          </p:nvSpPr>
+          <p:spPr bwMode="auto">
+            <a:xfrm>
+              <a:off x="0" y="14678"/>
+              <a:ext cx="1162" cy="1162"/>
+            </a:xfrm>
+            <a:custGeom>
+              <a:avLst/>
+              <a:gdLst>
+                <a:gd name="T0" fmla="*/ 0 w 1162"/>
+                <a:gd name="T1" fmla="+- 0 14679 14679"/>
+                <a:gd name="T2" fmla="*/ 14679 h 1162"/>
+                <a:gd name="T3" fmla="*/ 0 w 1162"/>
+                <a:gd name="T4" fmla="+- 0 15840 14679"/>
+                <a:gd name="T5" fmla="*/ 15840 h 1162"/>
+                <a:gd name="T6" fmla="*/ 1161 w 1162"/>
+                <a:gd name="T7" fmla="+- 0 15840 14679"/>
+                <a:gd name="T8" fmla="*/ 15840 h 1162"/>
+                <a:gd name="T9" fmla="*/ 0 w 1162"/>
+                <a:gd name="T10" fmla="+- 0 14679 14679"/>
+                <a:gd name="T11" fmla="*/ 14679 h 1162"/>
+              </a:gdLst>
+              <a:ahLst/>
+              <a:cxnLst>
+                <a:cxn ang="0">
+                  <a:pos x="T0" y="T2"/>
+                </a:cxn>
+                <a:cxn ang="0">
+                  <a:pos x="T3" y="T5"/>
+                </a:cxn>
+                <a:cxn ang="0">
+                  <a:pos x="T6" y="T8"/>
+                </a:cxn>
+                <a:cxn ang="0">
+                  <a:pos x="T9" y="T11"/>
+                </a:cxn>
+              </a:cxnLst>
+              <a:rect l="0" t="0" r="r" b="b"/>
+              <a:pathLst>
+                <a:path w="1162" h="1162">
+                  <a:moveTo>
+                    <a:pt x="0" y="0"/>
+                  </a:moveTo>
+                  <a:lnTo>
+                    <a:pt x="0" y="1161"/>
+                  </a:lnTo>
+                  <a:lnTo>
+                    <a:pt x="1161" y="1161"/>
+                  </a:lnTo>
+                  <a:lnTo>
+                    <a:pt x="0" y="0"/>
+                  </a:lnTo>
+                  <a:close/>
+                </a:path>
+              </a:pathLst>
+            </a:custGeom>
+            <a:solidFill>
+              <a:schemeClr val="tx2"/>
+            </a:solidFill>
+            <a:ln>
+              <a:noFill/>
+            </a:ln>
+            <a:extLst>
+              <a:ext uri="{91240B29-F687-4F45-9708-019B960494DF}">
+                <a14:hiddenLine xmlns:a14="http://schemas.microsoft.com/office/drawing/2010/main" w="9525">
+                  <a:solidFill>
+                    <a:srgbClr val="000000"/>
+                  </a:solidFill>
+                  <a:round/>
+                  <a:headEnd/>
+                  <a:tailEnd/>
+                </a14:hiddenLine>
+              </a:ext>
+            </a:extLst>
+          </p:spPr>
+          <p:txBody>
+            <a:bodyPr rot="0" vert="horz" wrap="square" lIns="91440" tIns="45720" rIns="91440" bIns="45720" anchor="t" anchorCtr="0" upright="1">
+              <a:noAutofit/>
+            </a:bodyPr>
+            <a:lstStyle/>
+            <a:p>
+              <a:endParaRPr lang="en-US" dirty="0"/>
+            </a:p>
+          </p:txBody>
+        </p:sp>
+        <p:sp>
+          <p:nvSpPr>
+            <p:cNvPr id="22" name="Freeform 21">
+              <a:extLst>
+                <a:ext uri="{FF2B5EF4-FFF2-40B4-BE49-F238E27FC236}">
+                  <a16:creationId xmlns:a16="http://schemas.microsoft.com/office/drawing/2014/main" id="{199388EE-AB02-136E-836B-A07A808F3E13}"/>
+                </a:ext>
+              </a:extLst>
+            </p:cNvPr>
+            <p:cNvSpPr>
+              <a:spLocks/>
+            </p:cNvSpPr>
+            <p:nvPr/>
+          </p:nvSpPr>
+          <p:spPr bwMode="auto">
+            <a:xfrm>
+              <a:off x="1221" y="14675"/>
+              <a:ext cx="2329" cy="1165"/>
+            </a:xfrm>
+            <a:custGeom>
+              <a:avLst/>
+              <a:gdLst>
+                <a:gd name="T0" fmla="+- 0 3550 1221"/>
+                <a:gd name="T1" fmla="*/ T0 w 2329"/>
+                <a:gd name="T2" fmla="+- 0 15840 14676"/>
+                <a:gd name="T3" fmla="*/ 15840 h 1165"/>
+                <a:gd name="T4" fmla="+- 0 2386 1221"/>
+                <a:gd name="T5" fmla="*/ T4 w 2329"/>
+                <a:gd name="T6" fmla="+- 0 14676 14676"/>
+                <a:gd name="T7" fmla="*/ 14676 h 1165"/>
+                <a:gd name="T8" fmla="+- 0 1221 1221"/>
+                <a:gd name="T9" fmla="*/ T8 w 2329"/>
+                <a:gd name="T10" fmla="+- 0 15840 14676"/>
+                <a:gd name="T11" fmla="*/ 15840 h 1165"/>
+                <a:gd name="T12" fmla="+- 0 3550 1221"/>
+                <a:gd name="T13" fmla="*/ T12 w 2329"/>
+                <a:gd name="T14" fmla="+- 0 15840 14676"/>
+                <a:gd name="T15" fmla="*/ 15840 h 1165"/>
+              </a:gdLst>
+              <a:ahLst/>
+              <a:cxnLst>
+                <a:cxn ang="0">
+                  <a:pos x="T1" y="T3"/>
+                </a:cxn>
+                <a:cxn ang="0">
+                  <a:pos x="T5" y="T7"/>
+                </a:cxn>
+                <a:cxn ang="0">
+                  <a:pos x="T9" y="T11"/>
+                </a:cxn>
+                <a:cxn ang="0">
+                  <a:pos x="T13" y="T15"/>
+                </a:cxn>
+              </a:cxnLst>
+              <a:rect l="0" t="0" r="r" b="b"/>
+              <a:pathLst>
+                <a:path w="2329" h="1165">
+                  <a:moveTo>
+                    <a:pt x="2329" y="1164"/>
+                  </a:moveTo>
+                  <a:lnTo>
+                    <a:pt x="1165" y="0"/>
+                  </a:lnTo>
+                  <a:lnTo>
+                    <a:pt x="0" y="1164"/>
+                  </a:lnTo>
+                  <a:lnTo>
+                    <a:pt x="2329" y="1164"/>
+                  </a:lnTo>
+                </a:path>
+              </a:pathLst>
+            </a:custGeom>
+            <a:solidFill>
+              <a:schemeClr val="accent3"/>
+            </a:solidFill>
+            <a:ln>
+              <a:noFill/>
+            </a:ln>
+            <a:extLst>
+              <a:ext uri="{91240B29-F687-4F45-9708-019B960494DF}">
+                <a14:hiddenLine xmlns:a14="http://schemas.microsoft.com/office/drawing/2010/main" w="9525">
+                  <a:solidFill>
+                    <a:srgbClr val="000000"/>
+                  </a:solidFill>
+                  <a:round/>
+                  <a:headEnd/>
+                  <a:tailEnd/>
+                </a14:hiddenLine>
+              </a:ext>
+            </a:extLst>
+          </p:spPr>
+          <p:txBody>
+            <a:bodyPr rot="0" vert="horz" wrap="square" lIns="91440" tIns="45720" rIns="91440" bIns="45720" anchor="t" anchorCtr="0" upright="1">
+              <a:noAutofit/>
+            </a:bodyPr>
+            <a:lstStyle/>
+            <a:p>
+              <a:endParaRPr lang="en-US" dirty="0"/>
+            </a:p>
+          </p:txBody>
+        </p:sp>
+      </p:grpSp>
+      <p:pic>
+        <p:nvPicPr>
+          <p:cNvPr id="4" name="Picture 3">
+            <a:extLst>
+              <a:ext uri="{FF2B5EF4-FFF2-40B4-BE49-F238E27FC236}">
+                <a16:creationId xmlns:a16="http://schemas.microsoft.com/office/drawing/2014/main" id="{3768ECBB-4478-1B52-86D6-38A40F6CDE8B}"/>
+              </a:ext>
+            </a:extLst>
+          </p:cNvPr>
+          <p:cNvPicPr>
+            <a:picLocks noChangeAspect="1"/>
+          </p:cNvPicPr>
+          <p:nvPr/>
+        </p:nvPicPr>
+        <p:blipFill>
+          <a:blip r:embed="rId3"/>
+          <a:stretch>
+            <a:fillRect/>
+          </a:stretch>
+        </p:blipFill>
+        <p:spPr>
+          <a:xfrm>
+            <a:off x="8859493" y="804861"/>
+            <a:ext cx="2325910" cy="2363628"/>
+          </a:xfrm>
+          <a:prstGeom prst="rect">
+            <a:avLst/>
+          </a:prstGeom>
+        </p:spPr>
+      </p:pic>
+      <p:pic>
+        <p:nvPicPr>
+          <p:cNvPr id="6" name="Picture 5">
+            <a:extLst>
+              <a:ext uri="{FF2B5EF4-FFF2-40B4-BE49-F238E27FC236}">
+                <a16:creationId xmlns:a16="http://schemas.microsoft.com/office/drawing/2014/main" id="{F665693F-F583-9DD7-A2A2-7450AE1B0BC9}"/>
+              </a:ext>
+            </a:extLst>
+          </p:cNvPr>
+          <p:cNvPicPr>
+            <a:picLocks noChangeAspect="1"/>
+          </p:cNvPicPr>
+          <p:nvPr/>
+        </p:nvPicPr>
+        <p:blipFill>
+          <a:blip r:embed="rId4"/>
+          <a:stretch>
+            <a:fillRect/>
+          </a:stretch>
+        </p:blipFill>
+        <p:spPr>
+          <a:xfrm>
+            <a:off x="8182466" y="3558214"/>
+            <a:ext cx="3509913" cy="2625254"/>
+          </a:xfrm>
+          <a:prstGeom prst="rect">
+            <a:avLst/>
+          </a:prstGeom>
+        </p:spPr>
+      </p:pic>
     </p:spTree>
     <p:extLst>
       <p:ext uri="{BB962C8B-B14F-4D97-AF65-F5344CB8AC3E}">
-        <p14:creationId xmlns:p14="http://schemas.microsoft.com/office/powerpoint/2010/main" val="3450888200"/>
+        <p14:creationId xmlns:p14="http://schemas.microsoft.com/office/powerpoint/2010/main" val="2938290372"/>
       </p:ext>
     </p:extLst>
   </p:cSld>
@@ -16615,15 +17441,6 @@
 </file>
 
 <file path=customXml/item2.xml><?xml version="1.0" encoding="utf-8"?>
-<?mso-contentType ?>
-<FormTemplates xmlns="http://schemas.microsoft.com/sharepoint/v3/contenttype/forms">
-  <Display>DocumentLibraryForm</Display>
-  <Edit>DocumentLibraryForm</Edit>
-  <New>DocumentLibraryForm</New>
-</FormTemplates>
-</file>
-
-<file path=customXml/item3.xml><?xml version="1.0" encoding="utf-8"?>
 <ct:contentTypeSchema xmlns:ct="http://schemas.microsoft.com/office/2006/metadata/contentType" xmlns:ma="http://schemas.microsoft.com/office/2006/metadata/properties/metaAttributes" ct:_="" ma:_="" ma:contentTypeName="Document" ma:contentTypeID="0x01010079F111ED35F8CC479449609E8A0923A6" ma:contentTypeVersion="28" ma:contentTypeDescription="Create a new document." ma:contentTypeScope="" ma:versionID="60f5a4f2d2b0abadcf532d48ebf9cb71">
   <xsd:schema xmlns:xsd="http://www.w3.org/2001/XMLSchema" xmlns:xs="http://www.w3.org/2001/XMLSchema" xmlns:p="http://schemas.microsoft.com/office/2006/metadata/properties" xmlns:ns1="http://schemas.microsoft.com/sharepoint/v3" xmlns:ns2="71af3243-3dd4-4a8d-8c0d-dd76da1f02a5" xmlns:ns3="16c05727-aa75-4e4a-9b5f-8a80a1165891" xmlns:ns4="230e9df3-be65-4c73-a93b-d1236ebd677e" targetNamespace="http://schemas.microsoft.com/office/2006/metadata/properties" ma:root="true" ma:fieldsID="7dd78129e6a1811f84807ad11c651531" ns1:_="" ns2:_="" ns3:_="" ns4:_="">
     <xsd:import namespace="http://schemas.microsoft.com/sharepoint/v3"/>
@@ -16935,6 +17752,15 @@
 </ct:contentTypeSchema>
 </file>
 
+<file path=customXml/item3.xml><?xml version="1.0" encoding="utf-8"?>
+<?mso-contentType ?>
+<FormTemplates xmlns="http://schemas.microsoft.com/sharepoint/v3/contenttype/forms">
+  <Display>DocumentLibraryForm</Display>
+  <Edit>DocumentLibraryForm</Edit>
+  <New>DocumentLibraryForm</New>
+</FormTemplates>
+</file>
+
 <file path=customXml/itemProps1.xml><?xml version="1.0" encoding="utf-8"?>
 <ds:datastoreItem xmlns:ds="http://schemas.openxmlformats.org/officeDocument/2006/customXml" ds:itemID="{4F4B194E-8B30-4377-8C59-ECFB902D2A26}">
   <ds:schemaRefs>
@@ -16948,14 +17774,6 @@
 </file>
 
 <file path=customXml/itemProps2.xml><?xml version="1.0" encoding="utf-8"?>
-<ds:datastoreItem xmlns:ds="http://schemas.openxmlformats.org/officeDocument/2006/customXml" ds:itemID="{C21FFAC0-05A2-416A-B06C-C248395482CF}">
-  <ds:schemaRefs>
-    <ds:schemaRef ds:uri="http://schemas.microsoft.com/sharepoint/v3/contenttype/forms"/>
-  </ds:schemaRefs>
-</ds:datastoreItem>
-</file>
-
-<file path=customXml/itemProps3.xml><?xml version="1.0" encoding="utf-8"?>
 <ds:datastoreItem xmlns:ds="http://schemas.openxmlformats.org/officeDocument/2006/customXml" ds:itemID="{92DB9E12-8AC3-4138-BF4D-720A5525AB10}">
   <ds:schemaRefs>
     <ds:schemaRef ds:uri="http://schemas.microsoft.com/office/2006/metadata/contentType"/>
@@ -16976,6 +17794,14 @@
 </ds:datastoreItem>
 </file>
 
+<file path=customXml/itemProps3.xml><?xml version="1.0" encoding="utf-8"?>
+<ds:datastoreItem xmlns:ds="http://schemas.openxmlformats.org/officeDocument/2006/customXml" ds:itemID="{C21FFAC0-05A2-416A-B06C-C248395482CF}">
+  <ds:schemaRefs>
+    <ds:schemaRef ds:uri="http://schemas.microsoft.com/sharepoint/v3/contenttype/forms"/>
+  </ds:schemaRefs>
+</ds:datastoreItem>
+</file>
+
 <file path=docMetadata/LabelInfo.xml><?xml version="1.0" encoding="utf-8"?>
 <clbl:labelList xmlns:clbl="http://schemas.microsoft.com/office/2020/mipLabelMetadata"/>
 </file>